--- a/arquivos/ArquivoPronto.pptx
+++ b/arquivos/ArquivoPronto.pptx
@@ -17,11 +17,9 @@
     <p:sldId id="265" r:id="rId11"/>
     <p:sldId id="266" r:id="rId12"/>
     <p:sldId id="267" r:id="rId13"/>
-    <p:sldId id="268" r:id="rId14"/>
-    <p:sldId id="269" r:id="rId15"/>
   </p:sldIdLst>
   <p:notesMasterIdLst>
-    <p:notesMasterId r:id="rId16"/>
+    <p:notesMasterId r:id="rId14"/>
   </p:notesMasterIdLst>
   <p:sldSz cx="9144000" cy="5143500"/>
   <p:notesSz cx="5143500" cy="9144000"/>
@@ -803,182 +801,6 @@
             <a:fld id="{F7021451-1387-4CA6-816F-3879F97B5CBC}" type="slidenum">
               <a:rPr lang="en-US"/>
               <a:t>12</a:t>
-            </a:fld>
-            <a:endParaRPr lang="en-US"/>
-          </a:p>
-        </p:txBody>
-      </p:sp>
-    </p:spTree>
-    <p:extLst>
-      <p:ext uri="{BB962C8B-B14F-4D97-AF65-F5344CB8AC3E}">
-        <p14:creationId xmlns:p14="http://schemas.microsoft.com/office/powerpoint/2010/main" val="1024086991"/>
-      </p:ext>
-    </p:extLst>
-  </p:cSld>
-  <p:clrMapOvr>
-    <a:masterClrMapping/>
-  </p:clrMapOvr>
-</p:notes>
-</file>
-
-<file path=ppt/notesSlides/notesSlide13.xml><?xml version="1.0" encoding="utf-8"?>
-<p:notes xmlns:a="http://schemas.openxmlformats.org/drawingml/2006/main" xmlns:r="http://schemas.openxmlformats.org/officeDocument/2006/relationships" xmlns:p="http://schemas.openxmlformats.org/presentationml/2006/main">
-  <p:cSld>
-    <p:spTree>
-      <p:nvGrpSpPr>
-        <p:cNvPr id="1" name=""/>
-        <p:cNvGrpSpPr/>
-        <p:nvPr/>
-      </p:nvGrpSpPr>
-      <p:grpSpPr>
-        <a:xfrm>
-          <a:off x="0" y="0"/>
-          <a:ext cx="0" cy="0"/>
-          <a:chOff x="0" y="0"/>
-          <a:chExt cx="0" cy="0"/>
-        </a:xfrm>
-      </p:grpSpPr>
-      <p:sp>
-        <p:nvSpPr>
-          <p:cNvPr id="2" name="Slide Image Placeholder 1"/>
-          <p:cNvSpPr>
-            <a:spLocks noGrp="1" noRot="1" noChangeAspect="1"/>
-          </p:cNvSpPr>
-          <p:nvPr>
-            <p:ph type="sldImg"/>
-          </p:nvPr>
-        </p:nvSpPr>
-        <p:spPr/>
-      </p:sp>
-      <p:sp>
-        <p:nvSpPr>
-          <p:cNvPr id="3" name="Notes Placeholder 2"/>
-          <p:cNvSpPr>
-            <a:spLocks noGrp="1"/>
-          </p:cNvSpPr>
-          <p:nvPr>
-            <p:ph type="body" idx="1"/>
-          </p:nvPr>
-        </p:nvSpPr>
-        <p:spPr/>
-        <p:txBody>
-          <a:bodyPr/>
-          <a:lstStyle/>
-          <a:p>
-            <a:r>
-              <a:rPr lang="en-US" dirty="0"/>
-              <a:t/>
-            </a:r>
-            <a:endParaRPr lang="en-US" dirty="0"/>
-          </a:p>
-        </p:txBody>
-      </p:sp>
-      <p:sp>
-        <p:nvSpPr>
-          <p:cNvPr id="4" name="Slide Number Placeholder 3"/>
-          <p:cNvSpPr>
-            <a:spLocks noGrp="1"/>
-          </p:cNvSpPr>
-          <p:nvPr>
-            <p:ph type="sldNum" sz="quarter" idx="10"/>
-          </p:nvPr>
-        </p:nvSpPr>
-        <p:spPr/>
-        <p:txBody>
-          <a:bodyPr/>
-          <a:lstStyle/>
-          <a:p>
-            <a:fld id="{F7021451-1387-4CA6-816F-3879F97B5CBC}" type="slidenum">
-              <a:rPr lang="en-US"/>
-              <a:t>13</a:t>
-            </a:fld>
-            <a:endParaRPr lang="en-US"/>
-          </a:p>
-        </p:txBody>
-      </p:sp>
-    </p:spTree>
-    <p:extLst>
-      <p:ext uri="{BB962C8B-B14F-4D97-AF65-F5344CB8AC3E}">
-        <p14:creationId xmlns:p14="http://schemas.microsoft.com/office/powerpoint/2010/main" val="1024086991"/>
-      </p:ext>
-    </p:extLst>
-  </p:cSld>
-  <p:clrMapOvr>
-    <a:masterClrMapping/>
-  </p:clrMapOvr>
-</p:notes>
-</file>
-
-<file path=ppt/notesSlides/notesSlide14.xml><?xml version="1.0" encoding="utf-8"?>
-<p:notes xmlns:a="http://schemas.openxmlformats.org/drawingml/2006/main" xmlns:r="http://schemas.openxmlformats.org/officeDocument/2006/relationships" xmlns:p="http://schemas.openxmlformats.org/presentationml/2006/main">
-  <p:cSld>
-    <p:spTree>
-      <p:nvGrpSpPr>
-        <p:cNvPr id="1" name=""/>
-        <p:cNvGrpSpPr/>
-        <p:nvPr/>
-      </p:nvGrpSpPr>
-      <p:grpSpPr>
-        <a:xfrm>
-          <a:off x="0" y="0"/>
-          <a:ext cx="0" cy="0"/>
-          <a:chOff x="0" y="0"/>
-          <a:chExt cx="0" cy="0"/>
-        </a:xfrm>
-      </p:grpSpPr>
-      <p:sp>
-        <p:nvSpPr>
-          <p:cNvPr id="2" name="Slide Image Placeholder 1"/>
-          <p:cNvSpPr>
-            <a:spLocks noGrp="1" noRot="1" noChangeAspect="1"/>
-          </p:cNvSpPr>
-          <p:nvPr>
-            <p:ph type="sldImg"/>
-          </p:nvPr>
-        </p:nvSpPr>
-        <p:spPr/>
-      </p:sp>
-      <p:sp>
-        <p:nvSpPr>
-          <p:cNvPr id="3" name="Notes Placeholder 2"/>
-          <p:cNvSpPr>
-            <a:spLocks noGrp="1"/>
-          </p:cNvSpPr>
-          <p:nvPr>
-            <p:ph type="body" idx="1"/>
-          </p:nvPr>
-        </p:nvSpPr>
-        <p:spPr/>
-        <p:txBody>
-          <a:bodyPr/>
-          <a:lstStyle/>
-          <a:p>
-            <a:r>
-              <a:rPr lang="en-US" dirty="0"/>
-              <a:t/>
-            </a:r>
-            <a:endParaRPr lang="en-US" dirty="0"/>
-          </a:p>
-        </p:txBody>
-      </p:sp>
-      <p:sp>
-        <p:nvSpPr>
-          <p:cNvPr id="4" name="Slide Number Placeholder 3"/>
-          <p:cNvSpPr>
-            <a:spLocks noGrp="1"/>
-          </p:cNvSpPr>
-          <p:nvPr>
-            <p:ph type="sldNum" sz="quarter" idx="10"/>
-          </p:nvPr>
-        </p:nvSpPr>
-        <p:spPr/>
-        <p:txBody>
-          <a:bodyPr/>
-          <a:lstStyle/>
-          <a:p>
-            <a:fld id="{F7021451-1387-4CA6-816F-3879F97B5CBC}" type="slidenum">
-              <a:rPr lang="en-US"/>
-              <a:t>14</a:t>
             </a:fld>
             <a:endParaRPr lang="en-US"/>
           </a:p>
@@ -2062,7 +1884,7 @@
                   <a:srgbClr val="FF0000"/>
                 </a:solidFill>
               </a:rPr>
-              <a:t>PERDÃO SENHOR</a:t>
+              <a:t>DEUS TRINO DE AMOR</a:t>
             </a:r>
             <a:endParaRPr lang="en-US" sz="2400" dirty="0"/>
           </a:p>
@@ -2100,49 +1922,7 @@
                   <a:srgbClr val="F5FFFA"/>
                 </a:solidFill>
               </a:rPr>
-              <a:t>Estrofe 1: PERDÃO SENHOR, TANTOS ERROS COMETI</a:t>
-            </a:r>
-            <a:endParaRPr lang="en-US" sz="2400" dirty="0"/>
-          </a:p>
-          <a:p>
-            <a:pPr algn="ctr" indent="0" marL="0">
-              <a:buNone/>
-            </a:pPr>
-            <a:r>
-              <a:rPr lang="en-US" sz="2400" dirty="0">
-                <a:solidFill>
-                  <a:srgbClr val="F5FFFA"/>
-                </a:solidFill>
-              </a:rPr>
-              <a:t>PERDÃO SENHOR, TANTAS VEZES ME OMITI</a:t>
-            </a:r>
-            <a:endParaRPr lang="en-US" sz="2400" dirty="0"/>
-          </a:p>
-          <a:p>
-            <a:pPr algn="ctr" indent="0" marL="0">
-              <a:buNone/>
-            </a:pPr>
-            <a:r>
-              <a:rPr lang="en-US" sz="2400" dirty="0">
-                <a:solidFill>
-                  <a:srgbClr val="F5FFFA"/>
-                </a:solidFill>
-              </a:rPr>
-              <a:t>PERDÃO SENHOR, PELOS MALES QUE CAUSEI</a:t>
-            </a:r>
-            <a:endParaRPr lang="en-US" sz="2400" dirty="0"/>
-          </a:p>
-          <a:p>
-            <a:pPr algn="ctr" indent="0" marL="0">
-              <a:buNone/>
-            </a:pPr>
-            <a:r>
-              <a:rPr lang="en-US" sz="2400" dirty="0">
-                <a:solidFill>
-                  <a:srgbClr val="F5FFFA"/>
-                </a:solidFill>
-              </a:rPr>
-              <a:t>PELAS COISAS QUE FALEI, PELO IRMÃO QUE EU JULGUEI (BIS)</a:t>
+              <a:t>Estrofe 1: Em nome do Pai, Em nome do Filho, Em nome do Espírito Santo, Estamos aqui</a:t>
             </a:r>
             <a:endParaRPr lang="en-US" sz="2400" dirty="0"/>
           </a:p>
@@ -2258,42 +2038,6 @@
         </p:nvSpPr>
         <p:spPr>
           <a:xfrm>
-            <a:off x="1371600" y="457200"/>
-            <a:ext cx="6858000" cy="0"/>
-          </a:xfrm>
-          <a:prstGeom prst="rect">
-            <a:avLst/>
-          </a:prstGeom>
-          <a:noFill/>
-          <a:ln/>
-        </p:spPr>
-        <p:txBody>
-          <a:bodyPr wrap="square" rtlCol="0" anchor="ctr"/>
-          <a:lstStyle/>
-          <a:p>
-            <a:pPr algn="ctr" indent="0" marL="0">
-              <a:buNone/>
-            </a:pPr>
-            <a:r>
-              <a:rPr lang="en-US" sz="2400" dirty="0">
-                <a:solidFill>
-                  <a:srgbClr val="FF0000"/>
-                </a:solidFill>
-              </a:rPr>
-              <a:t>UM CORAÇÃO PARA AMAR</a:t>
-            </a:r>
-            <a:endParaRPr lang="en-US" sz="2400" dirty="0"/>
-          </a:p>
-        </p:txBody>
-      </p:sp>
-      <p:sp>
-        <p:nvSpPr>
-          <p:cNvPr id="3" name="Text 1"/>
-          <p:cNvSpPr/>
-          <p:nvPr/>
-        </p:nvSpPr>
-        <p:spPr>
-          <a:xfrm>
             <a:off x="1371600" y="2286000"/>
             <a:ext cx="6858000" cy="0"/>
           </a:xfrm>
@@ -2318,7 +2062,7 @@
                   <a:srgbClr val="F5FFFA"/>
                 </a:solidFill>
               </a:rPr>
-              <a:t>Estrofe 1: Um coração para amar, pra perdoar e sentir</a:t>
+              <a:t>Estrofe 3: Vós que estais junto do Pai</a:t>
             </a:r>
             <a:endParaRPr lang="en-US" sz="2400" dirty="0"/>
           </a:p>
@@ -2332,7 +2076,7 @@
                   <a:srgbClr val="F5FFFA"/>
                 </a:solidFill>
               </a:rPr>
-              <a:t>Para chorar e sorrir, ao me criar Tu me destes</a:t>
+              <a:t>Como nosso intercessor</a:t>
             </a:r>
             <a:endParaRPr lang="en-US" sz="2400" dirty="0"/>
           </a:p>
@@ -2346,7 +2090,7 @@
                   <a:srgbClr val="F5FFFA"/>
                 </a:solidFill>
               </a:rPr>
-              <a:t>Um coração pra sonhar, inquieto e sempre a bater</a:t>
+              <a:t>Acolhei nossos pedidos</a:t>
             </a:r>
             <a:endParaRPr lang="en-US" sz="2400" dirty="0"/>
           </a:p>
@@ -2360,7 +2104,7 @@
                   <a:srgbClr val="F5FFFA"/>
                 </a:solidFill>
               </a:rPr>
-              <a:t>Ansioso por entender as coisas que Tu disseste</a:t>
+              <a:t>Atendei nosso clamor</a:t>
             </a:r>
             <a:endParaRPr lang="en-US" sz="2400" dirty="0"/>
           </a:p>
@@ -2430,273 +2174,7 @@
                   <a:srgbClr val="F5FFFA"/>
                 </a:solidFill>
               </a:rPr>
-              <a:t>Refrão: Eis o que eu venho Te dar</a:t>
-            </a:r>
-            <a:endParaRPr lang="en-US" sz="2400" dirty="0"/>
-          </a:p>
-          <a:p>
-            <a:pPr algn="ctr" indent="0" marL="0">
-              <a:buNone/>
-            </a:pPr>
-            <a:r>
-              <a:rPr lang="en-US" sz="2400" dirty="0">
-                <a:solidFill>
-                  <a:srgbClr val="F5FFFA"/>
-                </a:solidFill>
-              </a:rPr>
-              <a:t>Eis o que eu ponho no altar</a:t>
-            </a:r>
-            <a:endParaRPr lang="en-US" sz="2400" dirty="0"/>
-          </a:p>
-          <a:p>
-            <a:pPr algn="ctr" indent="0" marL="0">
-              <a:buNone/>
-            </a:pPr>
-            <a:r>
-              <a:rPr lang="en-US" sz="2400" dirty="0">
-                <a:solidFill>
-                  <a:srgbClr val="F5FFFA"/>
-                </a:solidFill>
-              </a:rPr>
-              <a:t>Toma, Senhor, que ele é Teu</a:t>
-            </a:r>
-            <a:endParaRPr lang="en-US" sz="2400" dirty="0"/>
-          </a:p>
-          <a:p>
-            <a:pPr algn="ctr" indent="0" marL="0">
-              <a:buNone/>
-            </a:pPr>
-            <a:r>
-              <a:rPr lang="en-US" sz="2400" dirty="0">
-                <a:solidFill>
-                  <a:srgbClr val="F5FFFA"/>
-                </a:solidFill>
-              </a:rPr>
-              <a:t>Meu coração não é meu</a:t>
-            </a:r>
-            <a:endParaRPr lang="en-US" sz="2400" dirty="0"/>
-          </a:p>
-        </p:txBody>
-      </p:sp>
-    </p:spTree>
-  </p:cSld>
-  <p:clrMapOvr>
-    <a:masterClrMapping/>
-  </p:clrMapOvr>
-</p:sld>
-</file>
-
-<file path=ppt/slides/slide13.xml><?xml version="1.0" encoding="utf-8"?>
-<p:sld xmlns:a="http://schemas.openxmlformats.org/drawingml/2006/main" xmlns:r="http://schemas.openxmlformats.org/officeDocument/2006/relationships" xmlns:p="http://schemas.openxmlformats.org/presentationml/2006/main">
-  <p:cSld name="Slide 13">
-    <p:bg>
-      <p:bgPr>
-        <a:solidFill>
-          <a:srgbClr val="000000"/>
-        </a:solidFill>
-      </p:bgPr>
-    </p:bg>
-    <p:spTree>
-      <p:nvGrpSpPr>
-        <p:cNvPr id="1" name=""/>
-        <p:cNvGrpSpPr/>
-        <p:nvPr/>
-      </p:nvGrpSpPr>
-      <p:grpSpPr>
-        <a:xfrm>
-          <a:off x="0" y="0"/>
-          <a:ext cx="0" cy="0"/>
-          <a:chOff x="0" y="0"/>
-          <a:chExt cx="0" cy="0"/>
-        </a:xfrm>
-      </p:grpSpPr>
-      <p:sp>
-        <p:nvSpPr>
-          <p:cNvPr id="2" name="Text 0"/>
-          <p:cNvSpPr/>
-          <p:nvPr/>
-        </p:nvSpPr>
-        <p:spPr>
-          <a:xfrm>
-            <a:off x="1371600" y="2286000"/>
-            <a:ext cx="6858000" cy="0"/>
-          </a:xfrm>
-          <a:prstGeom prst="rect">
-            <a:avLst/>
-          </a:prstGeom>
-          <a:solidFill>
-            <a:srgbClr val="F1F1F1"/>
-          </a:solidFill>
-          <a:ln/>
-        </p:spPr>
-        <p:txBody>
-          <a:bodyPr wrap="square" rtlCol="0" anchor="ctr"/>
-          <a:lstStyle/>
-          <a:p>
-            <a:pPr algn="ctr" indent="0" marL="0">
-              <a:buNone/>
-            </a:pPr>
-            <a:r>
-              <a:rPr lang="en-US" sz="2400" dirty="0">
-                <a:solidFill>
-                  <a:srgbClr val="F5FFFA"/>
-                </a:solidFill>
-              </a:rPr>
-              <a:t>Estrofe 2: Quero que o meu coração seja tão cheio de paz</a:t>
-            </a:r>
-            <a:endParaRPr lang="en-US" sz="2400" dirty="0"/>
-          </a:p>
-          <a:p>
-            <a:pPr algn="ctr" indent="0" marL="0">
-              <a:buNone/>
-            </a:pPr>
-            <a:r>
-              <a:rPr lang="en-US" sz="2400" dirty="0">
-                <a:solidFill>
-                  <a:srgbClr val="F5FFFA"/>
-                </a:solidFill>
-              </a:rPr>
-              <a:t>Que não se sinta capaz de sentir ódio ou rancor</a:t>
-            </a:r>
-            <a:endParaRPr lang="en-US" sz="2400" dirty="0"/>
-          </a:p>
-          <a:p>
-            <a:pPr algn="ctr" indent="0" marL="0">
-              <a:buNone/>
-            </a:pPr>
-            <a:r>
-              <a:rPr lang="en-US" sz="2400" dirty="0">
-                <a:solidFill>
-                  <a:srgbClr val="F5FFFA"/>
-                </a:solidFill>
-              </a:rPr>
-              <a:t>Quero que a minha oração possa me amadurecer</a:t>
-            </a:r>
-            <a:endParaRPr lang="en-US" sz="2400" dirty="0"/>
-          </a:p>
-          <a:p>
-            <a:pPr algn="ctr" indent="0" marL="0">
-              <a:buNone/>
-            </a:pPr>
-            <a:r>
-              <a:rPr lang="en-US" sz="2400" dirty="0">
-                <a:solidFill>
-                  <a:srgbClr val="F5FFFA"/>
-                </a:solidFill>
-              </a:rPr>
-              <a:t>Leve-me a compreender as consequências do amor</a:t>
-            </a:r>
-            <a:endParaRPr lang="en-US" sz="2400" dirty="0"/>
-          </a:p>
-        </p:txBody>
-      </p:sp>
-    </p:spTree>
-  </p:cSld>
-  <p:clrMapOvr>
-    <a:masterClrMapping/>
-  </p:clrMapOvr>
-</p:sld>
-</file>
-
-<file path=ppt/slides/slide14.xml><?xml version="1.0" encoding="utf-8"?>
-<p:sld xmlns:a="http://schemas.openxmlformats.org/drawingml/2006/main" xmlns:r="http://schemas.openxmlformats.org/officeDocument/2006/relationships" xmlns:p="http://schemas.openxmlformats.org/presentationml/2006/main">
-  <p:cSld name="Slide 14">
-    <p:bg>
-      <p:bgPr>
-        <a:solidFill>
-          <a:srgbClr val="000000"/>
-        </a:solidFill>
-      </p:bgPr>
-    </p:bg>
-    <p:spTree>
-      <p:nvGrpSpPr>
-        <p:cNvPr id="1" name=""/>
-        <p:cNvGrpSpPr/>
-        <p:nvPr/>
-      </p:nvGrpSpPr>
-      <p:grpSpPr>
-        <a:xfrm>
-          <a:off x="0" y="0"/>
-          <a:ext cx="0" cy="0"/>
-          <a:chOff x="0" y="0"/>
-          <a:chExt cx="0" cy="0"/>
-        </a:xfrm>
-      </p:grpSpPr>
-      <p:sp>
-        <p:nvSpPr>
-          <p:cNvPr id="2" name="Text 0"/>
-          <p:cNvSpPr/>
-          <p:nvPr/>
-        </p:nvSpPr>
-        <p:spPr>
-          <a:xfrm>
-            <a:off x="1371600" y="2286000"/>
-            <a:ext cx="6858000" cy="0"/>
-          </a:xfrm>
-          <a:prstGeom prst="rect">
-            <a:avLst/>
-          </a:prstGeom>
-          <a:solidFill>
-            <a:srgbClr val="F1F1F1"/>
-          </a:solidFill>
-          <a:ln/>
-        </p:spPr>
-        <p:txBody>
-          <a:bodyPr wrap="square" rtlCol="0" anchor="ctr"/>
-          <a:lstStyle/>
-          <a:p>
-            <a:pPr algn="ctr" indent="0" marL="0">
-              <a:buNone/>
-            </a:pPr>
-            <a:r>
-              <a:rPr lang="en-US" sz="2400" dirty="0">
-                <a:solidFill>
-                  <a:srgbClr val="F5FFFA"/>
-                </a:solidFill>
-              </a:rPr>
-              <a:t>Refrão: Eis o que eu venho Te dar</a:t>
-            </a:r>
-            <a:endParaRPr lang="en-US" sz="2400" dirty="0"/>
-          </a:p>
-          <a:p>
-            <a:pPr algn="ctr" indent="0" marL="0">
-              <a:buNone/>
-            </a:pPr>
-            <a:r>
-              <a:rPr lang="en-US" sz="2400" dirty="0">
-                <a:solidFill>
-                  <a:srgbClr val="F5FFFA"/>
-                </a:solidFill>
-              </a:rPr>
-              <a:t>Eis o que eu ponho no altar</a:t>
-            </a:r>
-            <a:endParaRPr lang="en-US" sz="2400" dirty="0"/>
-          </a:p>
-          <a:p>
-            <a:pPr algn="ctr" indent="0" marL="0">
-              <a:buNone/>
-            </a:pPr>
-            <a:r>
-              <a:rPr lang="en-US" sz="2400" dirty="0">
-                <a:solidFill>
-                  <a:srgbClr val="F5FFFA"/>
-                </a:solidFill>
-              </a:rPr>
-              <a:t>Toma, Senhor, que ele é Teu</a:t>
-            </a:r>
-            <a:endParaRPr lang="en-US" sz="2400" dirty="0"/>
-          </a:p>
-          <a:p>
-            <a:pPr algn="ctr" indent="0" marL="0">
-              <a:buNone/>
-            </a:pPr>
-            <a:r>
-              <a:rPr lang="en-US" sz="2400" dirty="0">
-                <a:solidFill>
-                  <a:srgbClr val="F5FFFA"/>
-                </a:solidFill>
-              </a:rPr>
-              <a:t>Meu coração não é meu</a:t>
+              <a:t>Refrão: Glória, glória a Deus no céu e paz na Terra</a:t>
             </a:r>
             <a:endParaRPr lang="en-US" sz="2400" dirty="0"/>
           </a:p>
@@ -2766,49 +2244,7 @@
                   <a:srgbClr val="F5FFFA"/>
                 </a:solidFill>
               </a:rPr>
-              <a:t>Refrão: PIEDADE SENHOR, TEM PIEDADE SENHOR,</a:t>
-            </a:r>
-            <a:endParaRPr lang="en-US" sz="2400" dirty="0"/>
-          </a:p>
-          <a:p>
-            <a:pPr algn="ctr" indent="0" marL="0">
-              <a:buNone/>
-            </a:pPr>
-            <a:r>
-              <a:rPr lang="en-US" sz="2400" dirty="0">
-                <a:solidFill>
-                  <a:srgbClr val="F5FFFA"/>
-                </a:solidFill>
-              </a:rPr>
-              <a:t>MEU PECADO VEM LAVAR COM SEU AMOR</a:t>
-            </a:r>
-            <a:endParaRPr lang="en-US" sz="2400" dirty="0"/>
-          </a:p>
-          <a:p>
-            <a:pPr algn="ctr" indent="0" marL="0">
-              <a:buNone/>
-            </a:pPr>
-            <a:r>
-              <a:rPr lang="en-US" sz="2400" dirty="0">
-                <a:solidFill>
-                  <a:srgbClr val="F5FFFA"/>
-                </a:solidFill>
-              </a:rPr>
-              <a:t>PIEDADE SENHOR, TEM PIEDADE SENHOR,</a:t>
-            </a:r>
-            <a:endParaRPr lang="en-US" sz="2400" dirty="0"/>
-          </a:p>
-          <a:p>
-            <a:pPr algn="ctr" indent="0" marL="0">
-              <a:buNone/>
-            </a:pPr>
-            <a:r>
-              <a:rPr lang="en-US" sz="2400" dirty="0">
-                <a:solidFill>
-                  <a:srgbClr val="F5FFFA"/>
-                </a:solidFill>
-              </a:rPr>
-              <a:t>E LIBERTA MINHA ALMA PARA O AMOR</a:t>
+              <a:t>Refrão: Para Louvar e agradecer, bendizer e adorar, estamos aqui Senhor, ao seu dispor. Para Louvar e agradecer, bendizer e exaltar, te aclamar, deus trino de amor</a:t>
             </a:r>
             <a:endParaRPr lang="en-US" sz="2400" dirty="0"/>
           </a:p>
@@ -2854,6 +2290,42 @@
         </p:nvSpPr>
         <p:spPr>
           <a:xfrm>
+            <a:off x="1371600" y="457200"/>
+            <a:ext cx="6858000" cy="0"/>
+          </a:xfrm>
+          <a:prstGeom prst="rect">
+            <a:avLst/>
+          </a:prstGeom>
+          <a:noFill/>
+          <a:ln/>
+        </p:spPr>
+        <p:txBody>
+          <a:bodyPr wrap="square" rtlCol="0" anchor="ctr"/>
+          <a:lstStyle/>
+          <a:p>
+            <a:pPr algn="ctr" indent="0" marL="0">
+              <a:buNone/>
+            </a:pPr>
+            <a:r>
+              <a:rPr lang="en-US" sz="2400" dirty="0">
+                <a:solidFill>
+                  <a:srgbClr val="FF0000"/>
+                </a:solidFill>
+              </a:rPr>
+              <a:t>PERDÃO SENHOR</a:t>
+            </a:r>
+            <a:endParaRPr lang="en-US" sz="2400" dirty="0"/>
+          </a:p>
+        </p:txBody>
+      </p:sp>
+      <p:sp>
+        <p:nvSpPr>
+          <p:cNvPr id="3" name="Text 1"/>
+          <p:cNvSpPr/>
+          <p:nvPr/>
+        </p:nvSpPr>
+        <p:spPr>
+          <a:xfrm>
             <a:off x="1371600" y="2286000"/>
             <a:ext cx="6858000" cy="0"/>
           </a:xfrm>
@@ -2878,7 +2350,7 @@
                   <a:srgbClr val="F5FFFA"/>
                 </a:solidFill>
               </a:rPr>
-              <a:t>Estrofe 2: PERDÃO SENHOR, PORQUE SOU TÃO PECADOR</a:t>
+              <a:t>Estrofe 1: PERDÃO SENHOR, TANTOS ERROS COMETI</a:t>
             </a:r>
             <a:endParaRPr lang="en-US" sz="2400" dirty="0"/>
           </a:p>
@@ -2892,7 +2364,7 @@
                   <a:srgbClr val="F5FFFA"/>
                 </a:solidFill>
               </a:rPr>
-              <a:t>PERDÃO SENHOR, SOU PEQUENO E SEM VALOR</a:t>
+              <a:t>PERDÃO SENHOR, TANTAS VEZES ME OMITI</a:t>
             </a:r>
             <a:endParaRPr lang="en-US" sz="2400" dirty="0"/>
           </a:p>
@@ -2906,7 +2378,7 @@
                   <a:srgbClr val="F5FFFA"/>
                 </a:solidFill>
               </a:rPr>
-              <a:t>MAS MESMO ASSIM, TU ME AMAS QUERO ENTÃO</a:t>
+              <a:t>PERDÃO SENHOR, PELOS MALES QUE CAUSEI</a:t>
             </a:r>
             <a:endParaRPr lang="en-US" sz="2400" dirty="0"/>
           </a:p>
@@ -2920,7 +2392,7 @@
                   <a:srgbClr val="F5FFFA"/>
                 </a:solidFill>
               </a:rPr>
-              <a:t>TE ENTREGAR MEU CORAÇÃO SUPLICAR O TEU PERDÃO (BIS)</a:t>
+              <a:t>PELAS COISAS QUE FALEI, PELO IRMÃO QUE EU JULGUEI (BIS)</a:t>
             </a:r>
             <a:endParaRPr lang="en-US" sz="2400" dirty="0"/>
           </a:p>
@@ -3078,42 +2550,6 @@
         </p:nvSpPr>
         <p:spPr>
           <a:xfrm>
-            <a:off x="1371600" y="457200"/>
-            <a:ext cx="6858000" cy="0"/>
-          </a:xfrm>
-          <a:prstGeom prst="rect">
-            <a:avLst/>
-          </a:prstGeom>
-          <a:noFill/>
-          <a:ln/>
-        </p:spPr>
-        <p:txBody>
-          <a:bodyPr wrap="square" rtlCol="0" anchor="ctr"/>
-          <a:lstStyle/>
-          <a:p>
-            <a:pPr algn="ctr" indent="0" marL="0">
-              <a:buNone/>
-            </a:pPr>
-            <a:r>
-              <a:rPr lang="en-US" sz="2400" dirty="0">
-                <a:solidFill>
-                  <a:srgbClr val="FF0000"/>
-                </a:solidFill>
-              </a:rPr>
-              <a:t>GLORIA BANDA CIROS</a:t>
-            </a:r>
-            <a:endParaRPr lang="en-US" sz="2400" dirty="0"/>
-          </a:p>
-        </p:txBody>
-      </p:sp>
-      <p:sp>
-        <p:nvSpPr>
-          <p:cNvPr id="3" name="Text 1"/>
-          <p:cNvSpPr/>
-          <p:nvPr/>
-        </p:nvSpPr>
-        <p:spPr>
-          <a:xfrm>
             <a:off x="1371600" y="2286000"/>
             <a:ext cx="6858000" cy="0"/>
           </a:xfrm>
@@ -3138,7 +2574,7 @@
                   <a:srgbClr val="F5FFFA"/>
                 </a:solidFill>
               </a:rPr>
-              <a:t>Estrofe 1: Deus e Pai nós vos louvamos</a:t>
+              <a:t>Estrofe 2: PERDÃO SENHOR, PORQUE SOU TÃO PECADOR</a:t>
             </a:r>
             <a:endParaRPr lang="en-US" sz="2400" dirty="0"/>
           </a:p>
@@ -3152,7 +2588,7 @@
                   <a:srgbClr val="F5FFFA"/>
                 </a:solidFill>
               </a:rPr>
-              <a:t>Adoramos, bendizemos</a:t>
+              <a:t>PERDÃO SENHOR, SOU PEQUENO E SEM VALOR</a:t>
             </a:r>
             <a:endParaRPr lang="en-US" sz="2400" dirty="0"/>
           </a:p>
@@ -3166,7 +2602,7 @@
                   <a:srgbClr val="F5FFFA"/>
                 </a:solidFill>
               </a:rPr>
-              <a:t>Damos glória ao vosso nome</a:t>
+              <a:t>MAS MESMO ASSIM, TU ME AMAS QUERO ENTÃO</a:t>
             </a:r>
             <a:endParaRPr lang="en-US" sz="2400" dirty="0"/>
           </a:p>
@@ -3180,7 +2616,7 @@
                   <a:srgbClr val="F5FFFA"/>
                 </a:solidFill>
               </a:rPr>
-              <a:t>Vossos dons agradecemos</a:t>
+              <a:t>TE ENTREGAR MEU CORAÇÃO SUPLICAR O TEU PERDÃO (BIS)</a:t>
             </a:r>
             <a:endParaRPr lang="en-US" sz="2400" dirty="0"/>
           </a:p>
@@ -3250,7 +2686,49 @@
                   <a:srgbClr val="F5FFFA"/>
                 </a:solidFill>
               </a:rPr>
-              <a:t>Refrão: Glória, glória a Deus no céu e paz na Terra</a:t>
+              <a:t>Refrão: PIEDADE SENHOR, TEM PIEDADE SENHOR,</a:t>
+            </a:r>
+            <a:endParaRPr lang="en-US" sz="2400" dirty="0"/>
+          </a:p>
+          <a:p>
+            <a:pPr algn="ctr" indent="0" marL="0">
+              <a:buNone/>
+            </a:pPr>
+            <a:r>
+              <a:rPr lang="en-US" sz="2400" dirty="0">
+                <a:solidFill>
+                  <a:srgbClr val="F5FFFA"/>
+                </a:solidFill>
+              </a:rPr>
+              <a:t>MEU PECADO VEM LAVAR COM SEU AMOR</a:t>
+            </a:r>
+            <a:endParaRPr lang="en-US" sz="2400" dirty="0"/>
+          </a:p>
+          <a:p>
+            <a:pPr algn="ctr" indent="0" marL="0">
+              <a:buNone/>
+            </a:pPr>
+            <a:r>
+              <a:rPr lang="en-US" sz="2400" dirty="0">
+                <a:solidFill>
+                  <a:srgbClr val="F5FFFA"/>
+                </a:solidFill>
+              </a:rPr>
+              <a:t>PIEDADE SENHOR, TEM PIEDADE SENHOR,</a:t>
+            </a:r>
+            <a:endParaRPr lang="en-US" sz="2400" dirty="0"/>
+          </a:p>
+          <a:p>
+            <a:pPr algn="ctr" indent="0" marL="0">
+              <a:buNone/>
+            </a:pPr>
+            <a:r>
+              <a:rPr lang="en-US" sz="2400" dirty="0">
+                <a:solidFill>
+                  <a:srgbClr val="F5FFFA"/>
+                </a:solidFill>
+              </a:rPr>
+              <a:t>E LIBERTA MINHA ALMA PARA O AMOR</a:t>
             </a:r>
             <a:endParaRPr lang="en-US" sz="2400" dirty="0"/>
           </a:p>
@@ -3296,6 +2774,42 @@
         </p:nvSpPr>
         <p:spPr>
           <a:xfrm>
+            <a:off x="1371600" y="457200"/>
+            <a:ext cx="6858000" cy="0"/>
+          </a:xfrm>
+          <a:prstGeom prst="rect">
+            <a:avLst/>
+          </a:prstGeom>
+          <a:noFill/>
+          <a:ln/>
+        </p:spPr>
+        <p:txBody>
+          <a:bodyPr wrap="square" rtlCol="0" anchor="ctr"/>
+          <a:lstStyle/>
+          <a:p>
+            <a:pPr algn="ctr" indent="0" marL="0">
+              <a:buNone/>
+            </a:pPr>
+            <a:r>
+              <a:rPr lang="en-US" sz="2400" dirty="0">
+                <a:solidFill>
+                  <a:srgbClr val="FF0000"/>
+                </a:solidFill>
+              </a:rPr>
+              <a:t>GLORIA BANDA CIROS</a:t>
+            </a:r>
+            <a:endParaRPr lang="en-US" sz="2400" dirty="0"/>
+          </a:p>
+        </p:txBody>
+      </p:sp>
+      <p:sp>
+        <p:nvSpPr>
+          <p:cNvPr id="3" name="Text 1"/>
+          <p:cNvSpPr/>
+          <p:nvPr/>
+        </p:nvSpPr>
+        <p:spPr>
+          <a:xfrm>
             <a:off x="1371600" y="2286000"/>
             <a:ext cx="6858000" cy="0"/>
           </a:xfrm>
@@ -3320,7 +2834,7 @@
                   <a:srgbClr val="F5FFFA"/>
                 </a:solidFill>
               </a:rPr>
-              <a:t>Estrofe 2: Senhor nosso Jesus Cristo</a:t>
+              <a:t>Estrofe 1: Deus e Pai nós vos louvamos</a:t>
             </a:r>
             <a:endParaRPr lang="en-US" sz="2400" dirty="0"/>
           </a:p>
@@ -3334,7 +2848,7 @@
                   <a:srgbClr val="F5FFFA"/>
                 </a:solidFill>
               </a:rPr>
-              <a:t>Unigênito do Pai</a:t>
+              <a:t>Adoramos, bendizemos</a:t>
             </a:r>
             <a:endParaRPr lang="en-US" sz="2400" dirty="0"/>
           </a:p>
@@ -3348,7 +2862,7 @@
                   <a:srgbClr val="F5FFFA"/>
                 </a:solidFill>
               </a:rPr>
-              <a:t>Voz de Deus, Cordeiro Santo</a:t>
+              <a:t>Damos glória ao vosso nome</a:t>
             </a:r>
             <a:endParaRPr lang="en-US" sz="2400" dirty="0"/>
           </a:p>
@@ -3362,7 +2876,7 @@
                   <a:srgbClr val="F5FFFA"/>
                 </a:solidFill>
               </a:rPr>
-              <a:t>Nossas culpas perdoai</a:t>
+              <a:t>Vossos dons agradecemos</a:t>
             </a:r>
             <a:endParaRPr lang="en-US" sz="2400" dirty="0"/>
           </a:p>
@@ -3502,7 +3016,7 @@
                   <a:srgbClr val="F5FFFA"/>
                 </a:solidFill>
               </a:rPr>
-              <a:t>Estrofe 3: Vós que estais junto do Pai</a:t>
+              <a:t>Estrofe 2: Senhor nosso Jesus Cristo</a:t>
             </a:r>
             <a:endParaRPr lang="en-US" sz="2400" dirty="0"/>
           </a:p>
@@ -3516,7 +3030,7 @@
                   <a:srgbClr val="F5FFFA"/>
                 </a:solidFill>
               </a:rPr>
-              <a:t>Como nosso intercessor</a:t>
+              <a:t>Unigênito do Pai</a:t>
             </a:r>
             <a:endParaRPr lang="en-US" sz="2400" dirty="0"/>
           </a:p>
@@ -3530,7 +3044,7 @@
                   <a:srgbClr val="F5FFFA"/>
                 </a:solidFill>
               </a:rPr>
-              <a:t>Acolhei nossos pedidos</a:t>
+              <a:t>Voz de Deus, Cordeiro Santo</a:t>
             </a:r>
             <a:endParaRPr lang="en-US" sz="2400" dirty="0"/>
           </a:p>
@@ -3544,7 +3058,7 @@
                   <a:srgbClr val="F5FFFA"/>
                 </a:solidFill>
               </a:rPr>
-              <a:t>Atendei nosso clamor</a:t>
+              <a:t>Nossas culpas perdoai</a:t>
             </a:r>
             <a:endParaRPr lang="en-US" sz="2400" dirty="0"/>
           </a:p>

--- a/arquivos/ArquivoPronto.pptx
+++ b/arquivos/ArquivoPronto.pptx
@@ -7,9 +7,15 @@
   <p:sldIdLst>
     <p:sldId id="256" r:id="rId2"/>
     <p:sldId id="257" r:id="rId3"/>
+    <p:sldId id="258" r:id="rId4"/>
+    <p:sldId id="259" r:id="rId5"/>
+    <p:sldId id="260" r:id="rId6"/>
+    <p:sldId id="261" r:id="rId7"/>
+    <p:sldId id="262" r:id="rId8"/>
+    <p:sldId id="263" r:id="rId9"/>
   </p:sldIdLst>
   <p:notesMasterIdLst>
-    <p:notesMasterId r:id="rId4"/>
+    <p:notesMasterId r:id="rId10"/>
   </p:notesMasterIdLst>
   <p:sldSz cx="9144000" cy="5143500"/>
   <p:notesSz cx="5143500" cy="9144000"/>
@@ -615,6 +621,534 @@
             <a:fld id="{F7021451-1387-4CA6-816F-3879F97B5CBC}" type="slidenum">
               <a:rPr lang="en-US"/>
               <a:t>2</a:t>
+            </a:fld>
+            <a:endParaRPr lang="en-US"/>
+          </a:p>
+        </p:txBody>
+      </p:sp>
+    </p:spTree>
+    <p:extLst>
+      <p:ext uri="{BB962C8B-B14F-4D97-AF65-F5344CB8AC3E}">
+        <p14:creationId xmlns:p14="http://schemas.microsoft.com/office/powerpoint/2010/main" val="1024086991"/>
+      </p:ext>
+    </p:extLst>
+  </p:cSld>
+  <p:clrMapOvr>
+    <a:masterClrMapping/>
+  </p:clrMapOvr>
+</p:notes>
+</file>
+
+<file path=ppt/notesSlides/notesSlide3.xml><?xml version="1.0" encoding="utf-8"?>
+<p:notes xmlns:a="http://schemas.openxmlformats.org/drawingml/2006/main" xmlns:r="http://schemas.openxmlformats.org/officeDocument/2006/relationships" xmlns:p="http://schemas.openxmlformats.org/presentationml/2006/main">
+  <p:cSld>
+    <p:spTree>
+      <p:nvGrpSpPr>
+        <p:cNvPr id="1" name=""/>
+        <p:cNvGrpSpPr/>
+        <p:nvPr/>
+      </p:nvGrpSpPr>
+      <p:grpSpPr>
+        <a:xfrm>
+          <a:off x="0" y="0"/>
+          <a:ext cx="0" cy="0"/>
+          <a:chOff x="0" y="0"/>
+          <a:chExt cx="0" cy="0"/>
+        </a:xfrm>
+      </p:grpSpPr>
+      <p:sp>
+        <p:nvSpPr>
+          <p:cNvPr id="2" name="Slide Image Placeholder 1"/>
+          <p:cNvSpPr>
+            <a:spLocks noGrp="1" noRot="1" noChangeAspect="1"/>
+          </p:cNvSpPr>
+          <p:nvPr>
+            <p:ph type="sldImg"/>
+          </p:nvPr>
+        </p:nvSpPr>
+        <p:spPr/>
+      </p:sp>
+      <p:sp>
+        <p:nvSpPr>
+          <p:cNvPr id="3" name="Notes Placeholder 2"/>
+          <p:cNvSpPr>
+            <a:spLocks noGrp="1"/>
+          </p:cNvSpPr>
+          <p:nvPr>
+            <p:ph type="body" idx="1"/>
+          </p:nvPr>
+        </p:nvSpPr>
+        <p:spPr/>
+        <p:txBody>
+          <a:bodyPr/>
+          <a:lstStyle/>
+          <a:p>
+            <a:r>
+              <a:rPr lang="en-US" dirty="0"/>
+              <a:t/>
+            </a:r>
+            <a:endParaRPr lang="en-US" dirty="0"/>
+          </a:p>
+        </p:txBody>
+      </p:sp>
+      <p:sp>
+        <p:nvSpPr>
+          <p:cNvPr id="4" name="Slide Number Placeholder 3"/>
+          <p:cNvSpPr>
+            <a:spLocks noGrp="1"/>
+          </p:cNvSpPr>
+          <p:nvPr>
+            <p:ph type="sldNum" sz="quarter" idx="10"/>
+          </p:nvPr>
+        </p:nvSpPr>
+        <p:spPr/>
+        <p:txBody>
+          <a:bodyPr/>
+          <a:lstStyle/>
+          <a:p>
+            <a:fld id="{F7021451-1387-4CA6-816F-3879F97B5CBC}" type="slidenum">
+              <a:rPr lang="en-US"/>
+              <a:t>3</a:t>
+            </a:fld>
+            <a:endParaRPr lang="en-US"/>
+          </a:p>
+        </p:txBody>
+      </p:sp>
+    </p:spTree>
+    <p:extLst>
+      <p:ext uri="{BB962C8B-B14F-4D97-AF65-F5344CB8AC3E}">
+        <p14:creationId xmlns:p14="http://schemas.microsoft.com/office/powerpoint/2010/main" val="1024086991"/>
+      </p:ext>
+    </p:extLst>
+  </p:cSld>
+  <p:clrMapOvr>
+    <a:masterClrMapping/>
+  </p:clrMapOvr>
+</p:notes>
+</file>
+
+<file path=ppt/notesSlides/notesSlide4.xml><?xml version="1.0" encoding="utf-8"?>
+<p:notes xmlns:a="http://schemas.openxmlformats.org/drawingml/2006/main" xmlns:r="http://schemas.openxmlformats.org/officeDocument/2006/relationships" xmlns:p="http://schemas.openxmlformats.org/presentationml/2006/main">
+  <p:cSld>
+    <p:spTree>
+      <p:nvGrpSpPr>
+        <p:cNvPr id="1" name=""/>
+        <p:cNvGrpSpPr/>
+        <p:nvPr/>
+      </p:nvGrpSpPr>
+      <p:grpSpPr>
+        <a:xfrm>
+          <a:off x="0" y="0"/>
+          <a:ext cx="0" cy="0"/>
+          <a:chOff x="0" y="0"/>
+          <a:chExt cx="0" cy="0"/>
+        </a:xfrm>
+      </p:grpSpPr>
+      <p:sp>
+        <p:nvSpPr>
+          <p:cNvPr id="2" name="Slide Image Placeholder 1"/>
+          <p:cNvSpPr>
+            <a:spLocks noGrp="1" noRot="1" noChangeAspect="1"/>
+          </p:cNvSpPr>
+          <p:nvPr>
+            <p:ph type="sldImg"/>
+          </p:nvPr>
+        </p:nvSpPr>
+        <p:spPr/>
+      </p:sp>
+      <p:sp>
+        <p:nvSpPr>
+          <p:cNvPr id="3" name="Notes Placeholder 2"/>
+          <p:cNvSpPr>
+            <a:spLocks noGrp="1"/>
+          </p:cNvSpPr>
+          <p:nvPr>
+            <p:ph type="body" idx="1"/>
+          </p:nvPr>
+        </p:nvSpPr>
+        <p:spPr/>
+        <p:txBody>
+          <a:bodyPr/>
+          <a:lstStyle/>
+          <a:p>
+            <a:r>
+              <a:rPr lang="en-US" dirty="0"/>
+              <a:t/>
+            </a:r>
+            <a:endParaRPr lang="en-US" dirty="0"/>
+          </a:p>
+        </p:txBody>
+      </p:sp>
+      <p:sp>
+        <p:nvSpPr>
+          <p:cNvPr id="4" name="Slide Number Placeholder 3"/>
+          <p:cNvSpPr>
+            <a:spLocks noGrp="1"/>
+          </p:cNvSpPr>
+          <p:nvPr>
+            <p:ph type="sldNum" sz="quarter" idx="10"/>
+          </p:nvPr>
+        </p:nvSpPr>
+        <p:spPr/>
+        <p:txBody>
+          <a:bodyPr/>
+          <a:lstStyle/>
+          <a:p>
+            <a:fld id="{F7021451-1387-4CA6-816F-3879F97B5CBC}" type="slidenum">
+              <a:rPr lang="en-US"/>
+              <a:t>4</a:t>
+            </a:fld>
+            <a:endParaRPr lang="en-US"/>
+          </a:p>
+        </p:txBody>
+      </p:sp>
+    </p:spTree>
+    <p:extLst>
+      <p:ext uri="{BB962C8B-B14F-4D97-AF65-F5344CB8AC3E}">
+        <p14:creationId xmlns:p14="http://schemas.microsoft.com/office/powerpoint/2010/main" val="1024086991"/>
+      </p:ext>
+    </p:extLst>
+  </p:cSld>
+  <p:clrMapOvr>
+    <a:masterClrMapping/>
+  </p:clrMapOvr>
+</p:notes>
+</file>
+
+<file path=ppt/notesSlides/notesSlide5.xml><?xml version="1.0" encoding="utf-8"?>
+<p:notes xmlns:a="http://schemas.openxmlformats.org/drawingml/2006/main" xmlns:r="http://schemas.openxmlformats.org/officeDocument/2006/relationships" xmlns:p="http://schemas.openxmlformats.org/presentationml/2006/main">
+  <p:cSld>
+    <p:spTree>
+      <p:nvGrpSpPr>
+        <p:cNvPr id="1" name=""/>
+        <p:cNvGrpSpPr/>
+        <p:nvPr/>
+      </p:nvGrpSpPr>
+      <p:grpSpPr>
+        <a:xfrm>
+          <a:off x="0" y="0"/>
+          <a:ext cx="0" cy="0"/>
+          <a:chOff x="0" y="0"/>
+          <a:chExt cx="0" cy="0"/>
+        </a:xfrm>
+      </p:grpSpPr>
+      <p:sp>
+        <p:nvSpPr>
+          <p:cNvPr id="2" name="Slide Image Placeholder 1"/>
+          <p:cNvSpPr>
+            <a:spLocks noGrp="1" noRot="1" noChangeAspect="1"/>
+          </p:cNvSpPr>
+          <p:nvPr>
+            <p:ph type="sldImg"/>
+          </p:nvPr>
+        </p:nvSpPr>
+        <p:spPr/>
+      </p:sp>
+      <p:sp>
+        <p:nvSpPr>
+          <p:cNvPr id="3" name="Notes Placeholder 2"/>
+          <p:cNvSpPr>
+            <a:spLocks noGrp="1"/>
+          </p:cNvSpPr>
+          <p:nvPr>
+            <p:ph type="body" idx="1"/>
+          </p:nvPr>
+        </p:nvSpPr>
+        <p:spPr/>
+        <p:txBody>
+          <a:bodyPr/>
+          <a:lstStyle/>
+          <a:p>
+            <a:r>
+              <a:rPr lang="en-US" dirty="0"/>
+              <a:t/>
+            </a:r>
+            <a:endParaRPr lang="en-US" dirty="0"/>
+          </a:p>
+        </p:txBody>
+      </p:sp>
+      <p:sp>
+        <p:nvSpPr>
+          <p:cNvPr id="4" name="Slide Number Placeholder 3"/>
+          <p:cNvSpPr>
+            <a:spLocks noGrp="1"/>
+          </p:cNvSpPr>
+          <p:nvPr>
+            <p:ph type="sldNum" sz="quarter" idx="10"/>
+          </p:nvPr>
+        </p:nvSpPr>
+        <p:spPr/>
+        <p:txBody>
+          <a:bodyPr/>
+          <a:lstStyle/>
+          <a:p>
+            <a:fld id="{F7021451-1387-4CA6-816F-3879F97B5CBC}" type="slidenum">
+              <a:rPr lang="en-US"/>
+              <a:t>5</a:t>
+            </a:fld>
+            <a:endParaRPr lang="en-US"/>
+          </a:p>
+        </p:txBody>
+      </p:sp>
+    </p:spTree>
+    <p:extLst>
+      <p:ext uri="{BB962C8B-B14F-4D97-AF65-F5344CB8AC3E}">
+        <p14:creationId xmlns:p14="http://schemas.microsoft.com/office/powerpoint/2010/main" val="1024086991"/>
+      </p:ext>
+    </p:extLst>
+  </p:cSld>
+  <p:clrMapOvr>
+    <a:masterClrMapping/>
+  </p:clrMapOvr>
+</p:notes>
+</file>
+
+<file path=ppt/notesSlides/notesSlide6.xml><?xml version="1.0" encoding="utf-8"?>
+<p:notes xmlns:a="http://schemas.openxmlformats.org/drawingml/2006/main" xmlns:r="http://schemas.openxmlformats.org/officeDocument/2006/relationships" xmlns:p="http://schemas.openxmlformats.org/presentationml/2006/main">
+  <p:cSld>
+    <p:spTree>
+      <p:nvGrpSpPr>
+        <p:cNvPr id="1" name=""/>
+        <p:cNvGrpSpPr/>
+        <p:nvPr/>
+      </p:nvGrpSpPr>
+      <p:grpSpPr>
+        <a:xfrm>
+          <a:off x="0" y="0"/>
+          <a:ext cx="0" cy="0"/>
+          <a:chOff x="0" y="0"/>
+          <a:chExt cx="0" cy="0"/>
+        </a:xfrm>
+      </p:grpSpPr>
+      <p:sp>
+        <p:nvSpPr>
+          <p:cNvPr id="2" name="Slide Image Placeholder 1"/>
+          <p:cNvSpPr>
+            <a:spLocks noGrp="1" noRot="1" noChangeAspect="1"/>
+          </p:cNvSpPr>
+          <p:nvPr>
+            <p:ph type="sldImg"/>
+          </p:nvPr>
+        </p:nvSpPr>
+        <p:spPr/>
+      </p:sp>
+      <p:sp>
+        <p:nvSpPr>
+          <p:cNvPr id="3" name="Notes Placeholder 2"/>
+          <p:cNvSpPr>
+            <a:spLocks noGrp="1"/>
+          </p:cNvSpPr>
+          <p:nvPr>
+            <p:ph type="body" idx="1"/>
+          </p:nvPr>
+        </p:nvSpPr>
+        <p:spPr/>
+        <p:txBody>
+          <a:bodyPr/>
+          <a:lstStyle/>
+          <a:p>
+            <a:r>
+              <a:rPr lang="en-US" dirty="0"/>
+              <a:t/>
+            </a:r>
+            <a:endParaRPr lang="en-US" dirty="0"/>
+          </a:p>
+        </p:txBody>
+      </p:sp>
+      <p:sp>
+        <p:nvSpPr>
+          <p:cNvPr id="4" name="Slide Number Placeholder 3"/>
+          <p:cNvSpPr>
+            <a:spLocks noGrp="1"/>
+          </p:cNvSpPr>
+          <p:nvPr>
+            <p:ph type="sldNum" sz="quarter" idx="10"/>
+          </p:nvPr>
+        </p:nvSpPr>
+        <p:spPr/>
+        <p:txBody>
+          <a:bodyPr/>
+          <a:lstStyle/>
+          <a:p>
+            <a:fld id="{F7021451-1387-4CA6-816F-3879F97B5CBC}" type="slidenum">
+              <a:rPr lang="en-US"/>
+              <a:t>6</a:t>
+            </a:fld>
+            <a:endParaRPr lang="en-US"/>
+          </a:p>
+        </p:txBody>
+      </p:sp>
+    </p:spTree>
+    <p:extLst>
+      <p:ext uri="{BB962C8B-B14F-4D97-AF65-F5344CB8AC3E}">
+        <p14:creationId xmlns:p14="http://schemas.microsoft.com/office/powerpoint/2010/main" val="1024086991"/>
+      </p:ext>
+    </p:extLst>
+  </p:cSld>
+  <p:clrMapOvr>
+    <a:masterClrMapping/>
+  </p:clrMapOvr>
+</p:notes>
+</file>
+
+<file path=ppt/notesSlides/notesSlide7.xml><?xml version="1.0" encoding="utf-8"?>
+<p:notes xmlns:a="http://schemas.openxmlformats.org/drawingml/2006/main" xmlns:r="http://schemas.openxmlformats.org/officeDocument/2006/relationships" xmlns:p="http://schemas.openxmlformats.org/presentationml/2006/main">
+  <p:cSld>
+    <p:spTree>
+      <p:nvGrpSpPr>
+        <p:cNvPr id="1" name=""/>
+        <p:cNvGrpSpPr/>
+        <p:nvPr/>
+      </p:nvGrpSpPr>
+      <p:grpSpPr>
+        <a:xfrm>
+          <a:off x="0" y="0"/>
+          <a:ext cx="0" cy="0"/>
+          <a:chOff x="0" y="0"/>
+          <a:chExt cx="0" cy="0"/>
+        </a:xfrm>
+      </p:grpSpPr>
+      <p:sp>
+        <p:nvSpPr>
+          <p:cNvPr id="2" name="Slide Image Placeholder 1"/>
+          <p:cNvSpPr>
+            <a:spLocks noGrp="1" noRot="1" noChangeAspect="1"/>
+          </p:cNvSpPr>
+          <p:nvPr>
+            <p:ph type="sldImg"/>
+          </p:nvPr>
+        </p:nvSpPr>
+        <p:spPr/>
+      </p:sp>
+      <p:sp>
+        <p:nvSpPr>
+          <p:cNvPr id="3" name="Notes Placeholder 2"/>
+          <p:cNvSpPr>
+            <a:spLocks noGrp="1"/>
+          </p:cNvSpPr>
+          <p:nvPr>
+            <p:ph type="body" idx="1"/>
+          </p:nvPr>
+        </p:nvSpPr>
+        <p:spPr/>
+        <p:txBody>
+          <a:bodyPr/>
+          <a:lstStyle/>
+          <a:p>
+            <a:r>
+              <a:rPr lang="en-US" dirty="0"/>
+              <a:t/>
+            </a:r>
+            <a:endParaRPr lang="en-US" dirty="0"/>
+          </a:p>
+        </p:txBody>
+      </p:sp>
+      <p:sp>
+        <p:nvSpPr>
+          <p:cNvPr id="4" name="Slide Number Placeholder 3"/>
+          <p:cNvSpPr>
+            <a:spLocks noGrp="1"/>
+          </p:cNvSpPr>
+          <p:nvPr>
+            <p:ph type="sldNum" sz="quarter" idx="10"/>
+          </p:nvPr>
+        </p:nvSpPr>
+        <p:spPr/>
+        <p:txBody>
+          <a:bodyPr/>
+          <a:lstStyle/>
+          <a:p>
+            <a:fld id="{F7021451-1387-4CA6-816F-3879F97B5CBC}" type="slidenum">
+              <a:rPr lang="en-US"/>
+              <a:t>7</a:t>
+            </a:fld>
+            <a:endParaRPr lang="en-US"/>
+          </a:p>
+        </p:txBody>
+      </p:sp>
+    </p:spTree>
+    <p:extLst>
+      <p:ext uri="{BB962C8B-B14F-4D97-AF65-F5344CB8AC3E}">
+        <p14:creationId xmlns:p14="http://schemas.microsoft.com/office/powerpoint/2010/main" val="1024086991"/>
+      </p:ext>
+    </p:extLst>
+  </p:cSld>
+  <p:clrMapOvr>
+    <a:masterClrMapping/>
+  </p:clrMapOvr>
+</p:notes>
+</file>
+
+<file path=ppt/notesSlides/notesSlide8.xml><?xml version="1.0" encoding="utf-8"?>
+<p:notes xmlns:a="http://schemas.openxmlformats.org/drawingml/2006/main" xmlns:r="http://schemas.openxmlformats.org/officeDocument/2006/relationships" xmlns:p="http://schemas.openxmlformats.org/presentationml/2006/main">
+  <p:cSld>
+    <p:spTree>
+      <p:nvGrpSpPr>
+        <p:cNvPr id="1" name=""/>
+        <p:cNvGrpSpPr/>
+        <p:nvPr/>
+      </p:nvGrpSpPr>
+      <p:grpSpPr>
+        <a:xfrm>
+          <a:off x="0" y="0"/>
+          <a:ext cx="0" cy="0"/>
+          <a:chOff x="0" y="0"/>
+          <a:chExt cx="0" cy="0"/>
+        </a:xfrm>
+      </p:grpSpPr>
+      <p:sp>
+        <p:nvSpPr>
+          <p:cNvPr id="2" name="Slide Image Placeholder 1"/>
+          <p:cNvSpPr>
+            <a:spLocks noGrp="1" noRot="1" noChangeAspect="1"/>
+          </p:cNvSpPr>
+          <p:nvPr>
+            <p:ph type="sldImg"/>
+          </p:nvPr>
+        </p:nvSpPr>
+        <p:spPr/>
+      </p:sp>
+      <p:sp>
+        <p:nvSpPr>
+          <p:cNvPr id="3" name="Notes Placeholder 2"/>
+          <p:cNvSpPr>
+            <a:spLocks noGrp="1"/>
+          </p:cNvSpPr>
+          <p:nvPr>
+            <p:ph type="body" idx="1"/>
+          </p:nvPr>
+        </p:nvSpPr>
+        <p:spPr/>
+        <p:txBody>
+          <a:bodyPr/>
+          <a:lstStyle/>
+          <a:p>
+            <a:r>
+              <a:rPr lang="en-US" dirty="0"/>
+              <a:t/>
+            </a:r>
+            <a:endParaRPr lang="en-US" dirty="0"/>
+          </a:p>
+        </p:txBody>
+      </p:sp>
+      <p:sp>
+        <p:nvSpPr>
+          <p:cNvPr id="4" name="Slide Number Placeholder 3"/>
+          <p:cNvSpPr>
+            <a:spLocks noGrp="1"/>
+          </p:cNvSpPr>
+          <p:nvPr>
+            <p:ph type="sldNum" sz="quarter" idx="10"/>
+          </p:nvPr>
+        </p:nvSpPr>
+        <p:spPr/>
+        <p:txBody>
+          <a:bodyPr/>
+          <a:lstStyle/>
+          <a:p>
+            <a:fld id="{F7021451-1387-4CA6-816F-3879F97B5CBC}" type="slidenum">
+              <a:rPr lang="en-US"/>
+              <a:t>8</a:t>
             </a:fld>
             <a:endParaRPr lang="en-US"/>
           </a:p>
@@ -994,7 +1528,7 @@
                   <a:srgbClr val="FF0000"/>
                 </a:solidFill>
               </a:rPr>
-              <a:t>DEUS TRINO DE AMOR</a:t>
+              <a:t>GLORIA BANDA CIROS</a:t>
             </a:r>
             <a:endParaRPr lang="en-US" sz="2400" dirty="0"/>
           </a:p>
@@ -1032,7 +1566,49 @@
                   <a:srgbClr val="F5FFFA"/>
                 </a:solidFill>
               </a:rPr>
-              <a:t>Estrofe 1: Em nome do Pai, Em nome do Filho, Em nome do Espírito Santo, Estamos aqui</a:t>
+              <a:t>Estrofe 1: Deus e Pai nós vos louvamos</a:t>
+            </a:r>
+            <a:endParaRPr lang="en-US" sz="2400" dirty="0"/>
+          </a:p>
+          <a:p>
+            <a:pPr algn="ctr" indent="0" marL="0">
+              <a:buNone/>
+            </a:pPr>
+            <a:r>
+              <a:rPr lang="en-US" sz="2400" dirty="0">
+                <a:solidFill>
+                  <a:srgbClr val="F5FFFA"/>
+                </a:solidFill>
+              </a:rPr>
+              <a:t>Adoramos, bendizemos</a:t>
+            </a:r>
+            <a:endParaRPr lang="en-US" sz="2400" dirty="0"/>
+          </a:p>
+          <a:p>
+            <a:pPr algn="ctr" indent="0" marL="0">
+              <a:buNone/>
+            </a:pPr>
+            <a:r>
+              <a:rPr lang="en-US" sz="2400" dirty="0">
+                <a:solidFill>
+                  <a:srgbClr val="F5FFFA"/>
+                </a:solidFill>
+              </a:rPr>
+              <a:t>Damos glória ao vosso nome</a:t>
+            </a:r>
+            <a:endParaRPr lang="en-US" sz="2400" dirty="0"/>
+          </a:p>
+          <a:p>
+            <a:pPr algn="ctr" indent="0" marL="0">
+              <a:buNone/>
+            </a:pPr>
+            <a:r>
+              <a:rPr lang="en-US" sz="2400" dirty="0">
+                <a:solidFill>
+                  <a:srgbClr val="F5FFFA"/>
+                </a:solidFill>
+              </a:rPr>
+              <a:t>Vossos dons agradecemos</a:t>
             </a:r>
             <a:endParaRPr lang="en-US" sz="2400" dirty="0"/>
           </a:p>
@@ -1102,7 +1678,673 @@
                   <a:srgbClr val="F5FFFA"/>
                 </a:solidFill>
               </a:rPr>
-              <a:t>Refrão: Para Louvar e agradecer, bendizer e adorar, estamos aqui Senhor, ao seu dispor. Para Louvar e agradecer, bendizer e exaltar, te aclamar, deus trino de amor</a:t>
+              <a:t>Refrão: Glória, glória a Deus no céu e paz na Terra</a:t>
+            </a:r>
+            <a:endParaRPr lang="en-US" sz="2400" dirty="0"/>
+          </a:p>
+        </p:txBody>
+      </p:sp>
+    </p:spTree>
+  </p:cSld>
+  <p:clrMapOvr>
+    <a:masterClrMapping/>
+  </p:clrMapOvr>
+</p:sld>
+</file>
+
+<file path=ppt/slides/slide3.xml><?xml version="1.0" encoding="utf-8"?>
+<p:sld xmlns:a="http://schemas.openxmlformats.org/drawingml/2006/main" xmlns:r="http://schemas.openxmlformats.org/officeDocument/2006/relationships" xmlns:p="http://schemas.openxmlformats.org/presentationml/2006/main">
+  <p:cSld name="Slide 3">
+    <p:bg>
+      <p:bgPr>
+        <a:solidFill>
+          <a:srgbClr val="000000"/>
+        </a:solidFill>
+      </p:bgPr>
+    </p:bg>
+    <p:spTree>
+      <p:nvGrpSpPr>
+        <p:cNvPr id="1" name=""/>
+        <p:cNvGrpSpPr/>
+        <p:nvPr/>
+      </p:nvGrpSpPr>
+      <p:grpSpPr>
+        <a:xfrm>
+          <a:off x="0" y="0"/>
+          <a:ext cx="0" cy="0"/>
+          <a:chOff x="0" y="0"/>
+          <a:chExt cx="0" cy="0"/>
+        </a:xfrm>
+      </p:grpSpPr>
+      <p:sp>
+        <p:nvSpPr>
+          <p:cNvPr id="2" name="Text 0"/>
+          <p:cNvSpPr/>
+          <p:nvPr/>
+        </p:nvSpPr>
+        <p:spPr>
+          <a:xfrm>
+            <a:off x="1371600" y="2286000"/>
+            <a:ext cx="6858000" cy="0"/>
+          </a:xfrm>
+          <a:prstGeom prst="rect">
+            <a:avLst/>
+          </a:prstGeom>
+          <a:solidFill>
+            <a:srgbClr val="F1F1F1"/>
+          </a:solidFill>
+          <a:ln/>
+        </p:spPr>
+        <p:txBody>
+          <a:bodyPr wrap="square" rtlCol="0" anchor="ctr"/>
+          <a:lstStyle/>
+          <a:p>
+            <a:pPr algn="ctr" indent="0" marL="0">
+              <a:buNone/>
+            </a:pPr>
+            <a:r>
+              <a:rPr lang="en-US" sz="2400" dirty="0">
+                <a:solidFill>
+                  <a:srgbClr val="F5FFFA"/>
+                </a:solidFill>
+              </a:rPr>
+              <a:t>Estrofe 2: Senhor nosso Jesus Cristo</a:t>
+            </a:r>
+            <a:endParaRPr lang="en-US" sz="2400" dirty="0"/>
+          </a:p>
+          <a:p>
+            <a:pPr algn="ctr" indent="0" marL="0">
+              <a:buNone/>
+            </a:pPr>
+            <a:r>
+              <a:rPr lang="en-US" sz="2400" dirty="0">
+                <a:solidFill>
+                  <a:srgbClr val="F5FFFA"/>
+                </a:solidFill>
+              </a:rPr>
+              <a:t>Unigênito do Pai</a:t>
+            </a:r>
+            <a:endParaRPr lang="en-US" sz="2400" dirty="0"/>
+          </a:p>
+          <a:p>
+            <a:pPr algn="ctr" indent="0" marL="0">
+              <a:buNone/>
+            </a:pPr>
+            <a:r>
+              <a:rPr lang="en-US" sz="2400" dirty="0">
+                <a:solidFill>
+                  <a:srgbClr val="F5FFFA"/>
+                </a:solidFill>
+              </a:rPr>
+              <a:t>Voz de Deus, Cordeiro Santo</a:t>
+            </a:r>
+            <a:endParaRPr lang="en-US" sz="2400" dirty="0"/>
+          </a:p>
+          <a:p>
+            <a:pPr algn="ctr" indent="0" marL="0">
+              <a:buNone/>
+            </a:pPr>
+            <a:r>
+              <a:rPr lang="en-US" sz="2400" dirty="0">
+                <a:solidFill>
+                  <a:srgbClr val="F5FFFA"/>
+                </a:solidFill>
+              </a:rPr>
+              <a:t>Nossas culpas perdoai</a:t>
+            </a:r>
+            <a:endParaRPr lang="en-US" sz="2400" dirty="0"/>
+          </a:p>
+        </p:txBody>
+      </p:sp>
+    </p:spTree>
+  </p:cSld>
+  <p:clrMapOvr>
+    <a:masterClrMapping/>
+  </p:clrMapOvr>
+</p:sld>
+</file>
+
+<file path=ppt/slides/slide4.xml><?xml version="1.0" encoding="utf-8"?>
+<p:sld xmlns:a="http://schemas.openxmlformats.org/drawingml/2006/main" xmlns:r="http://schemas.openxmlformats.org/officeDocument/2006/relationships" xmlns:p="http://schemas.openxmlformats.org/presentationml/2006/main">
+  <p:cSld name="Slide 4">
+    <p:bg>
+      <p:bgPr>
+        <a:solidFill>
+          <a:srgbClr val="000000"/>
+        </a:solidFill>
+      </p:bgPr>
+    </p:bg>
+    <p:spTree>
+      <p:nvGrpSpPr>
+        <p:cNvPr id="1" name=""/>
+        <p:cNvGrpSpPr/>
+        <p:nvPr/>
+      </p:nvGrpSpPr>
+      <p:grpSpPr>
+        <a:xfrm>
+          <a:off x="0" y="0"/>
+          <a:ext cx="0" cy="0"/>
+          <a:chOff x="0" y="0"/>
+          <a:chExt cx="0" cy="0"/>
+        </a:xfrm>
+      </p:grpSpPr>
+      <p:sp>
+        <p:nvSpPr>
+          <p:cNvPr id="2" name="Text 0"/>
+          <p:cNvSpPr/>
+          <p:nvPr/>
+        </p:nvSpPr>
+        <p:spPr>
+          <a:xfrm>
+            <a:off x="1371600" y="2286000"/>
+            <a:ext cx="6858000" cy="0"/>
+          </a:xfrm>
+          <a:prstGeom prst="rect">
+            <a:avLst/>
+          </a:prstGeom>
+          <a:solidFill>
+            <a:srgbClr val="F1F1F1"/>
+          </a:solidFill>
+          <a:ln/>
+        </p:spPr>
+        <p:txBody>
+          <a:bodyPr wrap="square" rtlCol="0" anchor="ctr"/>
+          <a:lstStyle/>
+          <a:p>
+            <a:pPr algn="ctr" indent="0" marL="0">
+              <a:buNone/>
+            </a:pPr>
+            <a:r>
+              <a:rPr lang="en-US" sz="2400" dirty="0">
+                <a:solidFill>
+                  <a:srgbClr val="F5FFFA"/>
+                </a:solidFill>
+              </a:rPr>
+              <a:t>Refrão: Glória, glória a Deus no céu e paz na Terra</a:t>
+            </a:r>
+            <a:endParaRPr lang="en-US" sz="2400" dirty="0"/>
+          </a:p>
+        </p:txBody>
+      </p:sp>
+    </p:spTree>
+  </p:cSld>
+  <p:clrMapOvr>
+    <a:masterClrMapping/>
+  </p:clrMapOvr>
+</p:sld>
+</file>
+
+<file path=ppt/slides/slide5.xml><?xml version="1.0" encoding="utf-8"?>
+<p:sld xmlns:a="http://schemas.openxmlformats.org/drawingml/2006/main" xmlns:r="http://schemas.openxmlformats.org/officeDocument/2006/relationships" xmlns:p="http://schemas.openxmlformats.org/presentationml/2006/main">
+  <p:cSld name="Slide 5">
+    <p:bg>
+      <p:bgPr>
+        <a:solidFill>
+          <a:srgbClr val="000000"/>
+        </a:solidFill>
+      </p:bgPr>
+    </p:bg>
+    <p:spTree>
+      <p:nvGrpSpPr>
+        <p:cNvPr id="1" name=""/>
+        <p:cNvGrpSpPr/>
+        <p:nvPr/>
+      </p:nvGrpSpPr>
+      <p:grpSpPr>
+        <a:xfrm>
+          <a:off x="0" y="0"/>
+          <a:ext cx="0" cy="0"/>
+          <a:chOff x="0" y="0"/>
+          <a:chExt cx="0" cy="0"/>
+        </a:xfrm>
+      </p:grpSpPr>
+      <p:sp>
+        <p:nvSpPr>
+          <p:cNvPr id="2" name="Text 0"/>
+          <p:cNvSpPr/>
+          <p:nvPr/>
+        </p:nvSpPr>
+        <p:spPr>
+          <a:xfrm>
+            <a:off x="1371600" y="457200"/>
+            <a:ext cx="6858000" cy="0"/>
+          </a:xfrm>
+          <a:prstGeom prst="rect">
+            <a:avLst/>
+          </a:prstGeom>
+          <a:noFill/>
+          <a:ln/>
+        </p:spPr>
+        <p:txBody>
+          <a:bodyPr wrap="square" rtlCol="0" anchor="ctr"/>
+          <a:lstStyle/>
+          <a:p>
+            <a:pPr algn="ctr" indent="0" marL="0">
+              <a:buNone/>
+            </a:pPr>
+            <a:r>
+              <a:rPr lang="en-US" sz="2400" dirty="0">
+                <a:solidFill>
+                  <a:srgbClr val="FF0000"/>
+                </a:solidFill>
+              </a:rPr>
+              <a:t>UM CORAÇÃO PARA AMAR</a:t>
+            </a:r>
+            <a:endParaRPr lang="en-US" sz="2400" dirty="0"/>
+          </a:p>
+        </p:txBody>
+      </p:sp>
+      <p:sp>
+        <p:nvSpPr>
+          <p:cNvPr id="3" name="Text 1"/>
+          <p:cNvSpPr/>
+          <p:nvPr/>
+        </p:nvSpPr>
+        <p:spPr>
+          <a:xfrm>
+            <a:off x="1371600" y="2286000"/>
+            <a:ext cx="6858000" cy="0"/>
+          </a:xfrm>
+          <a:prstGeom prst="rect">
+            <a:avLst/>
+          </a:prstGeom>
+          <a:solidFill>
+            <a:srgbClr val="F1F1F1"/>
+          </a:solidFill>
+          <a:ln/>
+        </p:spPr>
+        <p:txBody>
+          <a:bodyPr wrap="square" rtlCol="0" anchor="ctr"/>
+          <a:lstStyle/>
+          <a:p>
+            <a:pPr algn="ctr" indent="0" marL="0">
+              <a:buNone/>
+            </a:pPr>
+            <a:r>
+              <a:rPr lang="en-US" sz="2400" dirty="0">
+                <a:solidFill>
+                  <a:srgbClr val="F5FFFA"/>
+                </a:solidFill>
+              </a:rPr>
+              <a:t>Estrofe 1: Um coração para amar, pra perdoar e sentir</a:t>
+            </a:r>
+            <a:endParaRPr lang="en-US" sz="2400" dirty="0"/>
+          </a:p>
+          <a:p>
+            <a:pPr algn="ctr" indent="0" marL="0">
+              <a:buNone/>
+            </a:pPr>
+            <a:r>
+              <a:rPr lang="en-US" sz="2400" dirty="0">
+                <a:solidFill>
+                  <a:srgbClr val="F5FFFA"/>
+                </a:solidFill>
+              </a:rPr>
+              <a:t>Para chorar e sorrir, ao me criar Tu me destes</a:t>
+            </a:r>
+            <a:endParaRPr lang="en-US" sz="2400" dirty="0"/>
+          </a:p>
+          <a:p>
+            <a:pPr algn="ctr" indent="0" marL="0">
+              <a:buNone/>
+            </a:pPr>
+            <a:r>
+              <a:rPr lang="en-US" sz="2400" dirty="0">
+                <a:solidFill>
+                  <a:srgbClr val="F5FFFA"/>
+                </a:solidFill>
+              </a:rPr>
+              <a:t>Um coração pra sonhar, inquieto e sempre a bater</a:t>
+            </a:r>
+            <a:endParaRPr lang="en-US" sz="2400" dirty="0"/>
+          </a:p>
+          <a:p>
+            <a:pPr algn="ctr" indent="0" marL="0">
+              <a:buNone/>
+            </a:pPr>
+            <a:r>
+              <a:rPr lang="en-US" sz="2400" dirty="0">
+                <a:solidFill>
+                  <a:srgbClr val="F5FFFA"/>
+                </a:solidFill>
+              </a:rPr>
+              <a:t>Ansioso por entender as coisas que Tu disseste</a:t>
+            </a:r>
+            <a:endParaRPr lang="en-US" sz="2400" dirty="0"/>
+          </a:p>
+        </p:txBody>
+      </p:sp>
+    </p:spTree>
+  </p:cSld>
+  <p:clrMapOvr>
+    <a:masterClrMapping/>
+  </p:clrMapOvr>
+</p:sld>
+</file>
+
+<file path=ppt/slides/slide6.xml><?xml version="1.0" encoding="utf-8"?>
+<p:sld xmlns:a="http://schemas.openxmlformats.org/drawingml/2006/main" xmlns:r="http://schemas.openxmlformats.org/officeDocument/2006/relationships" xmlns:p="http://schemas.openxmlformats.org/presentationml/2006/main">
+  <p:cSld name="Slide 6">
+    <p:bg>
+      <p:bgPr>
+        <a:solidFill>
+          <a:srgbClr val="000000"/>
+        </a:solidFill>
+      </p:bgPr>
+    </p:bg>
+    <p:spTree>
+      <p:nvGrpSpPr>
+        <p:cNvPr id="1" name=""/>
+        <p:cNvGrpSpPr/>
+        <p:nvPr/>
+      </p:nvGrpSpPr>
+      <p:grpSpPr>
+        <a:xfrm>
+          <a:off x="0" y="0"/>
+          <a:ext cx="0" cy="0"/>
+          <a:chOff x="0" y="0"/>
+          <a:chExt cx="0" cy="0"/>
+        </a:xfrm>
+      </p:grpSpPr>
+      <p:sp>
+        <p:nvSpPr>
+          <p:cNvPr id="2" name="Text 0"/>
+          <p:cNvSpPr/>
+          <p:nvPr/>
+        </p:nvSpPr>
+        <p:spPr>
+          <a:xfrm>
+            <a:off x="1371600" y="2286000"/>
+            <a:ext cx="6858000" cy="0"/>
+          </a:xfrm>
+          <a:prstGeom prst="rect">
+            <a:avLst/>
+          </a:prstGeom>
+          <a:solidFill>
+            <a:srgbClr val="F1F1F1"/>
+          </a:solidFill>
+          <a:ln/>
+        </p:spPr>
+        <p:txBody>
+          <a:bodyPr wrap="square" rtlCol="0" anchor="ctr"/>
+          <a:lstStyle/>
+          <a:p>
+            <a:pPr algn="ctr" indent="0" marL="0">
+              <a:buNone/>
+            </a:pPr>
+            <a:r>
+              <a:rPr lang="en-US" sz="2400" dirty="0">
+                <a:solidFill>
+                  <a:srgbClr val="F5FFFA"/>
+                </a:solidFill>
+              </a:rPr>
+              <a:t>Refrão: Eis o que eu venho Te dar</a:t>
+            </a:r>
+            <a:endParaRPr lang="en-US" sz="2400" dirty="0"/>
+          </a:p>
+          <a:p>
+            <a:pPr algn="ctr" indent="0" marL="0">
+              <a:buNone/>
+            </a:pPr>
+            <a:r>
+              <a:rPr lang="en-US" sz="2400" dirty="0">
+                <a:solidFill>
+                  <a:srgbClr val="F5FFFA"/>
+                </a:solidFill>
+              </a:rPr>
+              <a:t>Eis o que eu ponho no altar</a:t>
+            </a:r>
+            <a:endParaRPr lang="en-US" sz="2400" dirty="0"/>
+          </a:p>
+          <a:p>
+            <a:pPr algn="ctr" indent="0" marL="0">
+              <a:buNone/>
+            </a:pPr>
+            <a:r>
+              <a:rPr lang="en-US" sz="2400" dirty="0">
+                <a:solidFill>
+                  <a:srgbClr val="F5FFFA"/>
+                </a:solidFill>
+              </a:rPr>
+              <a:t>Toma, Senhor, que ele é Teu</a:t>
+            </a:r>
+            <a:endParaRPr lang="en-US" sz="2400" dirty="0"/>
+          </a:p>
+          <a:p>
+            <a:pPr algn="ctr" indent="0" marL="0">
+              <a:buNone/>
+            </a:pPr>
+            <a:r>
+              <a:rPr lang="en-US" sz="2400" dirty="0">
+                <a:solidFill>
+                  <a:srgbClr val="F5FFFA"/>
+                </a:solidFill>
+              </a:rPr>
+              <a:t>Meu coração não é meu</a:t>
+            </a:r>
+            <a:endParaRPr lang="en-US" sz="2400" dirty="0"/>
+          </a:p>
+        </p:txBody>
+      </p:sp>
+    </p:spTree>
+  </p:cSld>
+  <p:clrMapOvr>
+    <a:masterClrMapping/>
+  </p:clrMapOvr>
+</p:sld>
+</file>
+
+<file path=ppt/slides/slide7.xml><?xml version="1.0" encoding="utf-8"?>
+<p:sld xmlns:a="http://schemas.openxmlformats.org/drawingml/2006/main" xmlns:r="http://schemas.openxmlformats.org/officeDocument/2006/relationships" xmlns:p="http://schemas.openxmlformats.org/presentationml/2006/main">
+  <p:cSld name="Slide 7">
+    <p:bg>
+      <p:bgPr>
+        <a:solidFill>
+          <a:srgbClr val="000000"/>
+        </a:solidFill>
+      </p:bgPr>
+    </p:bg>
+    <p:spTree>
+      <p:nvGrpSpPr>
+        <p:cNvPr id="1" name=""/>
+        <p:cNvGrpSpPr/>
+        <p:nvPr/>
+      </p:nvGrpSpPr>
+      <p:grpSpPr>
+        <a:xfrm>
+          <a:off x="0" y="0"/>
+          <a:ext cx="0" cy="0"/>
+          <a:chOff x="0" y="0"/>
+          <a:chExt cx="0" cy="0"/>
+        </a:xfrm>
+      </p:grpSpPr>
+      <p:sp>
+        <p:nvSpPr>
+          <p:cNvPr id="2" name="Text 0"/>
+          <p:cNvSpPr/>
+          <p:nvPr/>
+        </p:nvSpPr>
+        <p:spPr>
+          <a:xfrm>
+            <a:off x="1371600" y="2286000"/>
+            <a:ext cx="6858000" cy="0"/>
+          </a:xfrm>
+          <a:prstGeom prst="rect">
+            <a:avLst/>
+          </a:prstGeom>
+          <a:solidFill>
+            <a:srgbClr val="F1F1F1"/>
+          </a:solidFill>
+          <a:ln/>
+        </p:spPr>
+        <p:txBody>
+          <a:bodyPr wrap="square" rtlCol="0" anchor="ctr"/>
+          <a:lstStyle/>
+          <a:p>
+            <a:pPr algn="ctr" indent="0" marL="0">
+              <a:buNone/>
+            </a:pPr>
+            <a:r>
+              <a:rPr lang="en-US" sz="2400" dirty="0">
+                <a:solidFill>
+                  <a:srgbClr val="F5FFFA"/>
+                </a:solidFill>
+              </a:rPr>
+              <a:t>Estrofe 2: Quero que o meu coração seja tão cheio de paz</a:t>
+            </a:r>
+            <a:endParaRPr lang="en-US" sz="2400" dirty="0"/>
+          </a:p>
+          <a:p>
+            <a:pPr algn="ctr" indent="0" marL="0">
+              <a:buNone/>
+            </a:pPr>
+            <a:r>
+              <a:rPr lang="en-US" sz="2400" dirty="0">
+                <a:solidFill>
+                  <a:srgbClr val="F5FFFA"/>
+                </a:solidFill>
+              </a:rPr>
+              <a:t>Que não se sinta capaz de sentir ódio ou rancor</a:t>
+            </a:r>
+            <a:endParaRPr lang="en-US" sz="2400" dirty="0"/>
+          </a:p>
+          <a:p>
+            <a:pPr algn="ctr" indent="0" marL="0">
+              <a:buNone/>
+            </a:pPr>
+            <a:r>
+              <a:rPr lang="en-US" sz="2400" dirty="0">
+                <a:solidFill>
+                  <a:srgbClr val="F5FFFA"/>
+                </a:solidFill>
+              </a:rPr>
+              <a:t>Quero que a minha oração possa me amadurecer</a:t>
+            </a:r>
+            <a:endParaRPr lang="en-US" sz="2400" dirty="0"/>
+          </a:p>
+          <a:p>
+            <a:pPr algn="ctr" indent="0" marL="0">
+              <a:buNone/>
+            </a:pPr>
+            <a:r>
+              <a:rPr lang="en-US" sz="2400" dirty="0">
+                <a:solidFill>
+                  <a:srgbClr val="F5FFFA"/>
+                </a:solidFill>
+              </a:rPr>
+              <a:t>Leve-me a compreender as consequências do amor</a:t>
+            </a:r>
+            <a:endParaRPr lang="en-US" sz="2400" dirty="0"/>
+          </a:p>
+        </p:txBody>
+      </p:sp>
+    </p:spTree>
+  </p:cSld>
+  <p:clrMapOvr>
+    <a:masterClrMapping/>
+  </p:clrMapOvr>
+</p:sld>
+</file>
+
+<file path=ppt/slides/slide8.xml><?xml version="1.0" encoding="utf-8"?>
+<p:sld xmlns:a="http://schemas.openxmlformats.org/drawingml/2006/main" xmlns:r="http://schemas.openxmlformats.org/officeDocument/2006/relationships" xmlns:p="http://schemas.openxmlformats.org/presentationml/2006/main">
+  <p:cSld name="Slide 8">
+    <p:bg>
+      <p:bgPr>
+        <a:solidFill>
+          <a:srgbClr val="000000"/>
+        </a:solidFill>
+      </p:bgPr>
+    </p:bg>
+    <p:spTree>
+      <p:nvGrpSpPr>
+        <p:cNvPr id="1" name=""/>
+        <p:cNvGrpSpPr/>
+        <p:nvPr/>
+      </p:nvGrpSpPr>
+      <p:grpSpPr>
+        <a:xfrm>
+          <a:off x="0" y="0"/>
+          <a:ext cx="0" cy="0"/>
+          <a:chOff x="0" y="0"/>
+          <a:chExt cx="0" cy="0"/>
+        </a:xfrm>
+      </p:grpSpPr>
+      <p:sp>
+        <p:nvSpPr>
+          <p:cNvPr id="2" name="Text 0"/>
+          <p:cNvSpPr/>
+          <p:nvPr/>
+        </p:nvSpPr>
+        <p:spPr>
+          <a:xfrm>
+            <a:off x="1371600" y="2286000"/>
+            <a:ext cx="6858000" cy="0"/>
+          </a:xfrm>
+          <a:prstGeom prst="rect">
+            <a:avLst/>
+          </a:prstGeom>
+          <a:solidFill>
+            <a:srgbClr val="F1F1F1"/>
+          </a:solidFill>
+          <a:ln/>
+        </p:spPr>
+        <p:txBody>
+          <a:bodyPr wrap="square" rtlCol="0" anchor="ctr"/>
+          <a:lstStyle/>
+          <a:p>
+            <a:pPr algn="ctr" indent="0" marL="0">
+              <a:buNone/>
+            </a:pPr>
+            <a:r>
+              <a:rPr lang="en-US" sz="2400" dirty="0">
+                <a:solidFill>
+                  <a:srgbClr val="F5FFFA"/>
+                </a:solidFill>
+              </a:rPr>
+              <a:t>Refrão: Eis o que eu venho Te dar</a:t>
+            </a:r>
+            <a:endParaRPr lang="en-US" sz="2400" dirty="0"/>
+          </a:p>
+          <a:p>
+            <a:pPr algn="ctr" indent="0" marL="0">
+              <a:buNone/>
+            </a:pPr>
+            <a:r>
+              <a:rPr lang="en-US" sz="2400" dirty="0">
+                <a:solidFill>
+                  <a:srgbClr val="F5FFFA"/>
+                </a:solidFill>
+              </a:rPr>
+              <a:t>Eis o que eu ponho no altar</a:t>
+            </a:r>
+            <a:endParaRPr lang="en-US" sz="2400" dirty="0"/>
+          </a:p>
+          <a:p>
+            <a:pPr algn="ctr" indent="0" marL="0">
+              <a:buNone/>
+            </a:pPr>
+            <a:r>
+              <a:rPr lang="en-US" sz="2400" dirty="0">
+                <a:solidFill>
+                  <a:srgbClr val="F5FFFA"/>
+                </a:solidFill>
+              </a:rPr>
+              <a:t>Toma, Senhor, que ele é Teu</a:t>
+            </a:r>
+            <a:endParaRPr lang="en-US" sz="2400" dirty="0"/>
+          </a:p>
+          <a:p>
+            <a:pPr algn="ctr" indent="0" marL="0">
+              <a:buNone/>
+            </a:pPr>
+            <a:r>
+              <a:rPr lang="en-US" sz="2400" dirty="0">
+                <a:solidFill>
+                  <a:srgbClr val="F5FFFA"/>
+                </a:solidFill>
+              </a:rPr>
+              <a:t>Meu coração não é meu</a:t>
             </a:r>
             <a:endParaRPr lang="en-US" sz="2400" dirty="0"/>
           </a:p>

--- a/arquivos/ArquivoPronto.pptx
+++ b/arquivos/ArquivoPronto.pptx
@@ -11,11 +11,9 @@
     <p:sldId id="259" r:id="rId5"/>
     <p:sldId id="260" r:id="rId6"/>
     <p:sldId id="261" r:id="rId7"/>
-    <p:sldId id="262" r:id="rId8"/>
-    <p:sldId id="263" r:id="rId9"/>
   </p:sldIdLst>
   <p:notesMasterIdLst>
-    <p:notesMasterId r:id="rId10"/>
+    <p:notesMasterId r:id="rId8"/>
   </p:notesMasterIdLst>
   <p:sldSz cx="9144000" cy="5143500"/>
   <p:notesSz cx="5143500" cy="9144000"/>
@@ -973,182 +971,6 @@
             <a:fld id="{F7021451-1387-4CA6-816F-3879F97B5CBC}" type="slidenum">
               <a:rPr lang="en-US"/>
               <a:t>6</a:t>
-            </a:fld>
-            <a:endParaRPr lang="en-US"/>
-          </a:p>
-        </p:txBody>
-      </p:sp>
-    </p:spTree>
-    <p:extLst>
-      <p:ext uri="{BB962C8B-B14F-4D97-AF65-F5344CB8AC3E}">
-        <p14:creationId xmlns:p14="http://schemas.microsoft.com/office/powerpoint/2010/main" val="1024086991"/>
-      </p:ext>
-    </p:extLst>
-  </p:cSld>
-  <p:clrMapOvr>
-    <a:masterClrMapping/>
-  </p:clrMapOvr>
-</p:notes>
-</file>
-
-<file path=ppt/notesSlides/notesSlide7.xml><?xml version="1.0" encoding="utf-8"?>
-<p:notes xmlns:a="http://schemas.openxmlformats.org/drawingml/2006/main" xmlns:r="http://schemas.openxmlformats.org/officeDocument/2006/relationships" xmlns:p="http://schemas.openxmlformats.org/presentationml/2006/main">
-  <p:cSld>
-    <p:spTree>
-      <p:nvGrpSpPr>
-        <p:cNvPr id="1" name=""/>
-        <p:cNvGrpSpPr/>
-        <p:nvPr/>
-      </p:nvGrpSpPr>
-      <p:grpSpPr>
-        <a:xfrm>
-          <a:off x="0" y="0"/>
-          <a:ext cx="0" cy="0"/>
-          <a:chOff x="0" y="0"/>
-          <a:chExt cx="0" cy="0"/>
-        </a:xfrm>
-      </p:grpSpPr>
-      <p:sp>
-        <p:nvSpPr>
-          <p:cNvPr id="2" name="Slide Image Placeholder 1"/>
-          <p:cNvSpPr>
-            <a:spLocks noGrp="1" noRot="1" noChangeAspect="1"/>
-          </p:cNvSpPr>
-          <p:nvPr>
-            <p:ph type="sldImg"/>
-          </p:nvPr>
-        </p:nvSpPr>
-        <p:spPr/>
-      </p:sp>
-      <p:sp>
-        <p:nvSpPr>
-          <p:cNvPr id="3" name="Notes Placeholder 2"/>
-          <p:cNvSpPr>
-            <a:spLocks noGrp="1"/>
-          </p:cNvSpPr>
-          <p:nvPr>
-            <p:ph type="body" idx="1"/>
-          </p:nvPr>
-        </p:nvSpPr>
-        <p:spPr/>
-        <p:txBody>
-          <a:bodyPr/>
-          <a:lstStyle/>
-          <a:p>
-            <a:r>
-              <a:rPr lang="en-US" dirty="0"/>
-              <a:t/>
-            </a:r>
-            <a:endParaRPr lang="en-US" dirty="0"/>
-          </a:p>
-        </p:txBody>
-      </p:sp>
-      <p:sp>
-        <p:nvSpPr>
-          <p:cNvPr id="4" name="Slide Number Placeholder 3"/>
-          <p:cNvSpPr>
-            <a:spLocks noGrp="1"/>
-          </p:cNvSpPr>
-          <p:nvPr>
-            <p:ph type="sldNum" sz="quarter" idx="10"/>
-          </p:nvPr>
-        </p:nvSpPr>
-        <p:spPr/>
-        <p:txBody>
-          <a:bodyPr/>
-          <a:lstStyle/>
-          <a:p>
-            <a:fld id="{F7021451-1387-4CA6-816F-3879F97B5CBC}" type="slidenum">
-              <a:rPr lang="en-US"/>
-              <a:t>7</a:t>
-            </a:fld>
-            <a:endParaRPr lang="en-US"/>
-          </a:p>
-        </p:txBody>
-      </p:sp>
-    </p:spTree>
-    <p:extLst>
-      <p:ext uri="{BB962C8B-B14F-4D97-AF65-F5344CB8AC3E}">
-        <p14:creationId xmlns:p14="http://schemas.microsoft.com/office/powerpoint/2010/main" val="1024086991"/>
-      </p:ext>
-    </p:extLst>
-  </p:cSld>
-  <p:clrMapOvr>
-    <a:masterClrMapping/>
-  </p:clrMapOvr>
-</p:notes>
-</file>
-
-<file path=ppt/notesSlides/notesSlide8.xml><?xml version="1.0" encoding="utf-8"?>
-<p:notes xmlns:a="http://schemas.openxmlformats.org/drawingml/2006/main" xmlns:r="http://schemas.openxmlformats.org/officeDocument/2006/relationships" xmlns:p="http://schemas.openxmlformats.org/presentationml/2006/main">
-  <p:cSld>
-    <p:spTree>
-      <p:nvGrpSpPr>
-        <p:cNvPr id="1" name=""/>
-        <p:cNvGrpSpPr/>
-        <p:nvPr/>
-      </p:nvGrpSpPr>
-      <p:grpSpPr>
-        <a:xfrm>
-          <a:off x="0" y="0"/>
-          <a:ext cx="0" cy="0"/>
-          <a:chOff x="0" y="0"/>
-          <a:chExt cx="0" cy="0"/>
-        </a:xfrm>
-      </p:grpSpPr>
-      <p:sp>
-        <p:nvSpPr>
-          <p:cNvPr id="2" name="Slide Image Placeholder 1"/>
-          <p:cNvSpPr>
-            <a:spLocks noGrp="1" noRot="1" noChangeAspect="1"/>
-          </p:cNvSpPr>
-          <p:nvPr>
-            <p:ph type="sldImg"/>
-          </p:nvPr>
-        </p:nvSpPr>
-        <p:spPr/>
-      </p:sp>
-      <p:sp>
-        <p:nvSpPr>
-          <p:cNvPr id="3" name="Notes Placeholder 2"/>
-          <p:cNvSpPr>
-            <a:spLocks noGrp="1"/>
-          </p:cNvSpPr>
-          <p:nvPr>
-            <p:ph type="body" idx="1"/>
-          </p:nvPr>
-        </p:nvSpPr>
-        <p:spPr/>
-        <p:txBody>
-          <a:bodyPr/>
-          <a:lstStyle/>
-          <a:p>
-            <a:r>
-              <a:rPr lang="en-US" dirty="0"/>
-              <a:t/>
-            </a:r>
-            <a:endParaRPr lang="en-US" dirty="0"/>
-          </a:p>
-        </p:txBody>
-      </p:sp>
-      <p:sp>
-        <p:nvSpPr>
-          <p:cNvPr id="4" name="Slide Number Placeholder 3"/>
-          <p:cNvSpPr>
-            <a:spLocks noGrp="1"/>
-          </p:cNvSpPr>
-          <p:nvPr>
-            <p:ph type="sldNum" sz="quarter" idx="10"/>
-          </p:nvPr>
-        </p:nvSpPr>
-        <p:spPr/>
-        <p:txBody>
-          <a:bodyPr/>
-          <a:lstStyle/>
-          <a:p>
-            <a:fld id="{F7021451-1387-4CA6-816F-3879F97B5CBC}" type="slidenum">
-              <a:rPr lang="en-US"/>
-              <a:t>8</a:t>
             </a:fld>
             <a:endParaRPr lang="en-US"/>
           </a:p>
@@ -1528,7 +1350,7 @@
                   <a:srgbClr val="FF0000"/>
                 </a:solidFill>
               </a:rPr>
-              <a:t>GLORIA BANDA CIROS</a:t>
+              <a:t>DEUS TRINO DE AMOR</a:t>
             </a:r>
             <a:endParaRPr lang="en-US" sz="2400" dirty="0"/>
           </a:p>
@@ -1566,49 +1388,7 @@
                   <a:srgbClr val="F5FFFA"/>
                 </a:solidFill>
               </a:rPr>
-              <a:t>Estrofe 1: Deus e Pai nós vos louvamos</a:t>
-            </a:r>
-            <a:endParaRPr lang="en-US" sz="2400" dirty="0"/>
-          </a:p>
-          <a:p>
-            <a:pPr algn="ctr" indent="0" marL="0">
-              <a:buNone/>
-            </a:pPr>
-            <a:r>
-              <a:rPr lang="en-US" sz="2400" dirty="0">
-                <a:solidFill>
-                  <a:srgbClr val="F5FFFA"/>
-                </a:solidFill>
-              </a:rPr>
-              <a:t>Adoramos, bendizemos</a:t>
-            </a:r>
-            <a:endParaRPr lang="en-US" sz="2400" dirty="0"/>
-          </a:p>
-          <a:p>
-            <a:pPr algn="ctr" indent="0" marL="0">
-              <a:buNone/>
-            </a:pPr>
-            <a:r>
-              <a:rPr lang="en-US" sz="2400" dirty="0">
-                <a:solidFill>
-                  <a:srgbClr val="F5FFFA"/>
-                </a:solidFill>
-              </a:rPr>
-              <a:t>Damos glória ao vosso nome</a:t>
-            </a:r>
-            <a:endParaRPr lang="en-US" sz="2400" dirty="0"/>
-          </a:p>
-          <a:p>
-            <a:pPr algn="ctr" indent="0" marL="0">
-              <a:buNone/>
-            </a:pPr>
-            <a:r>
-              <a:rPr lang="en-US" sz="2400" dirty="0">
-                <a:solidFill>
-                  <a:srgbClr val="F5FFFA"/>
-                </a:solidFill>
-              </a:rPr>
-              <a:t>Vossos dons agradecemos</a:t>
+              <a:t>Estrofe 1: Em nome do Pai, Em nome do Filho, Em nome do Espírito Santo, Estamos aqui</a:t>
             </a:r>
             <a:endParaRPr lang="en-US" sz="2400" dirty="0"/>
           </a:p>
@@ -1678,7 +1458,7 @@
                   <a:srgbClr val="F5FFFA"/>
                 </a:solidFill>
               </a:rPr>
-              <a:t>Refrão: Glória, glória a Deus no céu e paz na Terra</a:t>
+              <a:t>Refrão: Para Louvar e agradecer, bendizer e adorar, estamos aqui Senhor, ao seu dispor. Para Louvar e agradecer, bendizer e exaltar, te aclamar, deus trino de amor</a:t>
             </a:r>
             <a:endParaRPr lang="en-US" sz="2400" dirty="0"/>
           </a:p>
@@ -1724,6 +1504,42 @@
         </p:nvSpPr>
         <p:spPr>
           <a:xfrm>
+            <a:off x="1371600" y="457200"/>
+            <a:ext cx="6858000" cy="0"/>
+          </a:xfrm>
+          <a:prstGeom prst="rect">
+            <a:avLst/>
+          </a:prstGeom>
+          <a:noFill/>
+          <a:ln/>
+        </p:spPr>
+        <p:txBody>
+          <a:bodyPr wrap="square" rtlCol="0" anchor="ctr"/>
+          <a:lstStyle/>
+          <a:p>
+            <a:pPr algn="ctr" indent="0" marL="0">
+              <a:buNone/>
+            </a:pPr>
+            <a:r>
+              <a:rPr lang="en-US" sz="2400" dirty="0">
+                <a:solidFill>
+                  <a:srgbClr val="FF0000"/>
+                </a:solidFill>
+              </a:rPr>
+              <a:t>UM CORAÇÃO PARA AMAR</a:t>
+            </a:r>
+            <a:endParaRPr lang="en-US" sz="2400" dirty="0"/>
+          </a:p>
+        </p:txBody>
+      </p:sp>
+      <p:sp>
+        <p:nvSpPr>
+          <p:cNvPr id="3" name="Text 1"/>
+          <p:cNvSpPr/>
+          <p:nvPr/>
+        </p:nvSpPr>
+        <p:spPr>
+          <a:xfrm>
             <a:off x="1371600" y="2286000"/>
             <a:ext cx="6858000" cy="0"/>
           </a:xfrm>
@@ -1748,7 +1564,7 @@
                   <a:srgbClr val="F5FFFA"/>
                 </a:solidFill>
               </a:rPr>
-              <a:t>Estrofe 2: Senhor nosso Jesus Cristo</a:t>
+              <a:t>Estrofe 1: Um coração para amar, pra perdoar e sentir</a:t>
             </a:r>
             <a:endParaRPr lang="en-US" sz="2400" dirty="0"/>
           </a:p>
@@ -1762,7 +1578,7 @@
                   <a:srgbClr val="F5FFFA"/>
                 </a:solidFill>
               </a:rPr>
-              <a:t>Unigênito do Pai</a:t>
+              <a:t>Para chorar e sorrir, ao me criar Tu me destes</a:t>
             </a:r>
             <a:endParaRPr lang="en-US" sz="2400" dirty="0"/>
           </a:p>
@@ -1776,7 +1592,7 @@
                   <a:srgbClr val="F5FFFA"/>
                 </a:solidFill>
               </a:rPr>
-              <a:t>Voz de Deus, Cordeiro Santo</a:t>
+              <a:t>Um coração pra sonhar, inquieto e sempre a bater</a:t>
             </a:r>
             <a:endParaRPr lang="en-US" sz="2400" dirty="0"/>
           </a:p>
@@ -1790,7 +1606,7 @@
                   <a:srgbClr val="F5FFFA"/>
                 </a:solidFill>
               </a:rPr>
-              <a:t>Nossas culpas perdoai</a:t>
+              <a:t>Ansioso por entender as coisas que Tu disseste</a:t>
             </a:r>
             <a:endParaRPr lang="en-US" sz="2400" dirty="0"/>
           </a:p>
@@ -1860,7 +1676,49 @@
                   <a:srgbClr val="F5FFFA"/>
                 </a:solidFill>
               </a:rPr>
-              <a:t>Refrão: Glória, glória a Deus no céu e paz na Terra</a:t>
+              <a:t>Refrão: Eis o que eu venho Te dar</a:t>
+            </a:r>
+            <a:endParaRPr lang="en-US" sz="2400" dirty="0"/>
+          </a:p>
+          <a:p>
+            <a:pPr algn="ctr" indent="0" marL="0">
+              <a:buNone/>
+            </a:pPr>
+            <a:r>
+              <a:rPr lang="en-US" sz="2400" dirty="0">
+                <a:solidFill>
+                  <a:srgbClr val="F5FFFA"/>
+                </a:solidFill>
+              </a:rPr>
+              <a:t>Eis o que eu ponho no altar</a:t>
+            </a:r>
+            <a:endParaRPr lang="en-US" sz="2400" dirty="0"/>
+          </a:p>
+          <a:p>
+            <a:pPr algn="ctr" indent="0" marL="0">
+              <a:buNone/>
+            </a:pPr>
+            <a:r>
+              <a:rPr lang="en-US" sz="2400" dirty="0">
+                <a:solidFill>
+                  <a:srgbClr val="F5FFFA"/>
+                </a:solidFill>
+              </a:rPr>
+              <a:t>Toma, Senhor, que ele é Teu</a:t>
+            </a:r>
+            <a:endParaRPr lang="en-US" sz="2400" dirty="0"/>
+          </a:p>
+          <a:p>
+            <a:pPr algn="ctr" indent="0" marL="0">
+              <a:buNone/>
+            </a:pPr>
+            <a:r>
+              <a:rPr lang="en-US" sz="2400" dirty="0">
+                <a:solidFill>
+                  <a:srgbClr val="F5FFFA"/>
+                </a:solidFill>
+              </a:rPr>
+              <a:t>Meu coração não é meu</a:t>
             </a:r>
             <a:endParaRPr lang="en-US" sz="2400" dirty="0"/>
           </a:p>
@@ -1906,42 +1764,6 @@
         </p:nvSpPr>
         <p:spPr>
           <a:xfrm>
-            <a:off x="1371600" y="457200"/>
-            <a:ext cx="6858000" cy="0"/>
-          </a:xfrm>
-          <a:prstGeom prst="rect">
-            <a:avLst/>
-          </a:prstGeom>
-          <a:noFill/>
-          <a:ln/>
-        </p:spPr>
-        <p:txBody>
-          <a:bodyPr wrap="square" rtlCol="0" anchor="ctr"/>
-          <a:lstStyle/>
-          <a:p>
-            <a:pPr algn="ctr" indent="0" marL="0">
-              <a:buNone/>
-            </a:pPr>
-            <a:r>
-              <a:rPr lang="en-US" sz="2400" dirty="0">
-                <a:solidFill>
-                  <a:srgbClr val="FF0000"/>
-                </a:solidFill>
-              </a:rPr>
-              <a:t>UM CORAÇÃO PARA AMAR</a:t>
-            </a:r>
-            <a:endParaRPr lang="en-US" sz="2400" dirty="0"/>
-          </a:p>
-        </p:txBody>
-      </p:sp>
-      <p:sp>
-        <p:nvSpPr>
-          <p:cNvPr id="3" name="Text 1"/>
-          <p:cNvSpPr/>
-          <p:nvPr/>
-        </p:nvSpPr>
-        <p:spPr>
-          <a:xfrm>
             <a:off x="1371600" y="2286000"/>
             <a:ext cx="6858000" cy="0"/>
           </a:xfrm>
@@ -1966,7 +1788,7 @@
                   <a:srgbClr val="F5FFFA"/>
                 </a:solidFill>
               </a:rPr>
-              <a:t>Estrofe 1: Um coração para amar, pra perdoar e sentir</a:t>
+              <a:t>Estrofe 2: Quero que o meu coração seja tão cheio de paz</a:t>
             </a:r>
             <a:endParaRPr lang="en-US" sz="2400" dirty="0"/>
           </a:p>
@@ -1980,7 +1802,7 @@
                   <a:srgbClr val="F5FFFA"/>
                 </a:solidFill>
               </a:rPr>
-              <a:t>Para chorar e sorrir, ao me criar Tu me destes</a:t>
+              <a:t>Que não se sinta capaz de sentir ódio ou rancor</a:t>
             </a:r>
             <a:endParaRPr lang="en-US" sz="2400" dirty="0"/>
           </a:p>
@@ -1994,7 +1816,7 @@
                   <a:srgbClr val="F5FFFA"/>
                 </a:solidFill>
               </a:rPr>
-              <a:t>Um coração pra sonhar, inquieto e sempre a bater</a:t>
+              <a:t>Quero que a minha oração possa me amadurecer</a:t>
             </a:r>
             <a:endParaRPr lang="en-US" sz="2400" dirty="0"/>
           </a:p>
@@ -2008,7 +1830,7 @@
                   <a:srgbClr val="F5FFFA"/>
                 </a:solidFill>
               </a:rPr>
-              <a:t>Ansioso por entender as coisas que Tu disseste</a:t>
+              <a:t>Leve-me a compreender as consequências do amor</a:t>
             </a:r>
             <a:endParaRPr lang="en-US" sz="2400" dirty="0"/>
           </a:p>
@@ -2025,230 +1847,6 @@
 <file path=ppt/slides/slide6.xml><?xml version="1.0" encoding="utf-8"?>
 <p:sld xmlns:a="http://schemas.openxmlformats.org/drawingml/2006/main" xmlns:r="http://schemas.openxmlformats.org/officeDocument/2006/relationships" xmlns:p="http://schemas.openxmlformats.org/presentationml/2006/main">
   <p:cSld name="Slide 6">
-    <p:bg>
-      <p:bgPr>
-        <a:solidFill>
-          <a:srgbClr val="000000"/>
-        </a:solidFill>
-      </p:bgPr>
-    </p:bg>
-    <p:spTree>
-      <p:nvGrpSpPr>
-        <p:cNvPr id="1" name=""/>
-        <p:cNvGrpSpPr/>
-        <p:nvPr/>
-      </p:nvGrpSpPr>
-      <p:grpSpPr>
-        <a:xfrm>
-          <a:off x="0" y="0"/>
-          <a:ext cx="0" cy="0"/>
-          <a:chOff x="0" y="0"/>
-          <a:chExt cx="0" cy="0"/>
-        </a:xfrm>
-      </p:grpSpPr>
-      <p:sp>
-        <p:nvSpPr>
-          <p:cNvPr id="2" name="Text 0"/>
-          <p:cNvSpPr/>
-          <p:nvPr/>
-        </p:nvSpPr>
-        <p:spPr>
-          <a:xfrm>
-            <a:off x="1371600" y="2286000"/>
-            <a:ext cx="6858000" cy="0"/>
-          </a:xfrm>
-          <a:prstGeom prst="rect">
-            <a:avLst/>
-          </a:prstGeom>
-          <a:solidFill>
-            <a:srgbClr val="F1F1F1"/>
-          </a:solidFill>
-          <a:ln/>
-        </p:spPr>
-        <p:txBody>
-          <a:bodyPr wrap="square" rtlCol="0" anchor="ctr"/>
-          <a:lstStyle/>
-          <a:p>
-            <a:pPr algn="ctr" indent="0" marL="0">
-              <a:buNone/>
-            </a:pPr>
-            <a:r>
-              <a:rPr lang="en-US" sz="2400" dirty="0">
-                <a:solidFill>
-                  <a:srgbClr val="F5FFFA"/>
-                </a:solidFill>
-              </a:rPr>
-              <a:t>Refrão: Eis o que eu venho Te dar</a:t>
-            </a:r>
-            <a:endParaRPr lang="en-US" sz="2400" dirty="0"/>
-          </a:p>
-          <a:p>
-            <a:pPr algn="ctr" indent="0" marL="0">
-              <a:buNone/>
-            </a:pPr>
-            <a:r>
-              <a:rPr lang="en-US" sz="2400" dirty="0">
-                <a:solidFill>
-                  <a:srgbClr val="F5FFFA"/>
-                </a:solidFill>
-              </a:rPr>
-              <a:t>Eis o que eu ponho no altar</a:t>
-            </a:r>
-            <a:endParaRPr lang="en-US" sz="2400" dirty="0"/>
-          </a:p>
-          <a:p>
-            <a:pPr algn="ctr" indent="0" marL="0">
-              <a:buNone/>
-            </a:pPr>
-            <a:r>
-              <a:rPr lang="en-US" sz="2400" dirty="0">
-                <a:solidFill>
-                  <a:srgbClr val="F5FFFA"/>
-                </a:solidFill>
-              </a:rPr>
-              <a:t>Toma, Senhor, que ele é Teu</a:t>
-            </a:r>
-            <a:endParaRPr lang="en-US" sz="2400" dirty="0"/>
-          </a:p>
-          <a:p>
-            <a:pPr algn="ctr" indent="0" marL="0">
-              <a:buNone/>
-            </a:pPr>
-            <a:r>
-              <a:rPr lang="en-US" sz="2400" dirty="0">
-                <a:solidFill>
-                  <a:srgbClr val="F5FFFA"/>
-                </a:solidFill>
-              </a:rPr>
-              <a:t>Meu coração não é meu</a:t>
-            </a:r>
-            <a:endParaRPr lang="en-US" sz="2400" dirty="0"/>
-          </a:p>
-        </p:txBody>
-      </p:sp>
-    </p:spTree>
-  </p:cSld>
-  <p:clrMapOvr>
-    <a:masterClrMapping/>
-  </p:clrMapOvr>
-</p:sld>
-</file>
-
-<file path=ppt/slides/slide7.xml><?xml version="1.0" encoding="utf-8"?>
-<p:sld xmlns:a="http://schemas.openxmlformats.org/drawingml/2006/main" xmlns:r="http://schemas.openxmlformats.org/officeDocument/2006/relationships" xmlns:p="http://schemas.openxmlformats.org/presentationml/2006/main">
-  <p:cSld name="Slide 7">
-    <p:bg>
-      <p:bgPr>
-        <a:solidFill>
-          <a:srgbClr val="000000"/>
-        </a:solidFill>
-      </p:bgPr>
-    </p:bg>
-    <p:spTree>
-      <p:nvGrpSpPr>
-        <p:cNvPr id="1" name=""/>
-        <p:cNvGrpSpPr/>
-        <p:nvPr/>
-      </p:nvGrpSpPr>
-      <p:grpSpPr>
-        <a:xfrm>
-          <a:off x="0" y="0"/>
-          <a:ext cx="0" cy="0"/>
-          <a:chOff x="0" y="0"/>
-          <a:chExt cx="0" cy="0"/>
-        </a:xfrm>
-      </p:grpSpPr>
-      <p:sp>
-        <p:nvSpPr>
-          <p:cNvPr id="2" name="Text 0"/>
-          <p:cNvSpPr/>
-          <p:nvPr/>
-        </p:nvSpPr>
-        <p:spPr>
-          <a:xfrm>
-            <a:off x="1371600" y="2286000"/>
-            <a:ext cx="6858000" cy="0"/>
-          </a:xfrm>
-          <a:prstGeom prst="rect">
-            <a:avLst/>
-          </a:prstGeom>
-          <a:solidFill>
-            <a:srgbClr val="F1F1F1"/>
-          </a:solidFill>
-          <a:ln/>
-        </p:spPr>
-        <p:txBody>
-          <a:bodyPr wrap="square" rtlCol="0" anchor="ctr"/>
-          <a:lstStyle/>
-          <a:p>
-            <a:pPr algn="ctr" indent="0" marL="0">
-              <a:buNone/>
-            </a:pPr>
-            <a:r>
-              <a:rPr lang="en-US" sz="2400" dirty="0">
-                <a:solidFill>
-                  <a:srgbClr val="F5FFFA"/>
-                </a:solidFill>
-              </a:rPr>
-              <a:t>Estrofe 2: Quero que o meu coração seja tão cheio de paz</a:t>
-            </a:r>
-            <a:endParaRPr lang="en-US" sz="2400" dirty="0"/>
-          </a:p>
-          <a:p>
-            <a:pPr algn="ctr" indent="0" marL="0">
-              <a:buNone/>
-            </a:pPr>
-            <a:r>
-              <a:rPr lang="en-US" sz="2400" dirty="0">
-                <a:solidFill>
-                  <a:srgbClr val="F5FFFA"/>
-                </a:solidFill>
-              </a:rPr>
-              <a:t>Que não se sinta capaz de sentir ódio ou rancor</a:t>
-            </a:r>
-            <a:endParaRPr lang="en-US" sz="2400" dirty="0"/>
-          </a:p>
-          <a:p>
-            <a:pPr algn="ctr" indent="0" marL="0">
-              <a:buNone/>
-            </a:pPr>
-            <a:r>
-              <a:rPr lang="en-US" sz="2400" dirty="0">
-                <a:solidFill>
-                  <a:srgbClr val="F5FFFA"/>
-                </a:solidFill>
-              </a:rPr>
-              <a:t>Quero que a minha oração possa me amadurecer</a:t>
-            </a:r>
-            <a:endParaRPr lang="en-US" sz="2400" dirty="0"/>
-          </a:p>
-          <a:p>
-            <a:pPr algn="ctr" indent="0" marL="0">
-              <a:buNone/>
-            </a:pPr>
-            <a:r>
-              <a:rPr lang="en-US" sz="2400" dirty="0">
-                <a:solidFill>
-                  <a:srgbClr val="F5FFFA"/>
-                </a:solidFill>
-              </a:rPr>
-              <a:t>Leve-me a compreender as consequências do amor</a:t>
-            </a:r>
-            <a:endParaRPr lang="en-US" sz="2400" dirty="0"/>
-          </a:p>
-        </p:txBody>
-      </p:sp>
-    </p:spTree>
-  </p:cSld>
-  <p:clrMapOvr>
-    <a:masterClrMapping/>
-  </p:clrMapOvr>
-</p:sld>
-</file>
-
-<file path=ppt/slides/slide8.xml><?xml version="1.0" encoding="utf-8"?>
-<p:sld xmlns:a="http://schemas.openxmlformats.org/drawingml/2006/main" xmlns:r="http://schemas.openxmlformats.org/officeDocument/2006/relationships" xmlns:p="http://schemas.openxmlformats.org/presentationml/2006/main">
-  <p:cSld name="Slide 8">
     <p:bg>
       <p:bgPr>
         <a:solidFill>

--- a/arquivos/ArquivoPronto.pptx
+++ b/arquivos/ArquivoPronto.pptx
@@ -11,9 +11,15 @@
     <p:sldId id="259" r:id="rId5"/>
     <p:sldId id="260" r:id="rId6"/>
     <p:sldId id="261" r:id="rId7"/>
+    <p:sldId id="262" r:id="rId8"/>
+    <p:sldId id="263" r:id="rId9"/>
+    <p:sldId id="264" r:id="rId10"/>
+    <p:sldId id="265" r:id="rId11"/>
+    <p:sldId id="266" r:id="rId12"/>
+    <p:sldId id="267" r:id="rId13"/>
   </p:sldIdLst>
   <p:notesMasterIdLst>
-    <p:notesMasterId r:id="rId8"/>
+    <p:notesMasterId r:id="rId14"/>
   </p:notesMasterIdLst>
   <p:sldSz cx="9144000" cy="5143500"/>
   <p:notesSz cx="5143500" cy="9144000"/>
@@ -549,6 +555,270 @@
 </p:notes>
 </file>
 
+<file path=ppt/notesSlides/notesSlide10.xml><?xml version="1.0" encoding="utf-8"?>
+<p:notes xmlns:a="http://schemas.openxmlformats.org/drawingml/2006/main" xmlns:r="http://schemas.openxmlformats.org/officeDocument/2006/relationships" xmlns:p="http://schemas.openxmlformats.org/presentationml/2006/main">
+  <p:cSld>
+    <p:spTree>
+      <p:nvGrpSpPr>
+        <p:cNvPr id="1" name=""/>
+        <p:cNvGrpSpPr/>
+        <p:nvPr/>
+      </p:nvGrpSpPr>
+      <p:grpSpPr>
+        <a:xfrm>
+          <a:off x="0" y="0"/>
+          <a:ext cx="0" cy="0"/>
+          <a:chOff x="0" y="0"/>
+          <a:chExt cx="0" cy="0"/>
+        </a:xfrm>
+      </p:grpSpPr>
+      <p:sp>
+        <p:nvSpPr>
+          <p:cNvPr id="2" name="Slide Image Placeholder 1"/>
+          <p:cNvSpPr>
+            <a:spLocks noGrp="1" noRot="1" noChangeAspect="1"/>
+          </p:cNvSpPr>
+          <p:nvPr>
+            <p:ph type="sldImg"/>
+          </p:nvPr>
+        </p:nvSpPr>
+        <p:spPr/>
+      </p:sp>
+      <p:sp>
+        <p:nvSpPr>
+          <p:cNvPr id="3" name="Notes Placeholder 2"/>
+          <p:cNvSpPr>
+            <a:spLocks noGrp="1"/>
+          </p:cNvSpPr>
+          <p:nvPr>
+            <p:ph type="body" idx="1"/>
+          </p:nvPr>
+        </p:nvSpPr>
+        <p:spPr/>
+        <p:txBody>
+          <a:bodyPr/>
+          <a:lstStyle/>
+          <a:p>
+            <a:r>
+              <a:rPr lang="en-US" dirty="0"/>
+              <a:t/>
+            </a:r>
+            <a:endParaRPr lang="en-US" dirty="0"/>
+          </a:p>
+        </p:txBody>
+      </p:sp>
+      <p:sp>
+        <p:nvSpPr>
+          <p:cNvPr id="4" name="Slide Number Placeholder 3"/>
+          <p:cNvSpPr>
+            <a:spLocks noGrp="1"/>
+          </p:cNvSpPr>
+          <p:nvPr>
+            <p:ph type="sldNum" sz="quarter" idx="10"/>
+          </p:nvPr>
+        </p:nvSpPr>
+        <p:spPr/>
+        <p:txBody>
+          <a:bodyPr/>
+          <a:lstStyle/>
+          <a:p>
+            <a:fld id="{F7021451-1387-4CA6-816F-3879F97B5CBC}" type="slidenum">
+              <a:rPr lang="en-US"/>
+              <a:t>10</a:t>
+            </a:fld>
+            <a:endParaRPr lang="en-US"/>
+          </a:p>
+        </p:txBody>
+      </p:sp>
+    </p:spTree>
+    <p:extLst>
+      <p:ext uri="{BB962C8B-B14F-4D97-AF65-F5344CB8AC3E}">
+        <p14:creationId xmlns:p14="http://schemas.microsoft.com/office/powerpoint/2010/main" val="1024086991"/>
+      </p:ext>
+    </p:extLst>
+  </p:cSld>
+  <p:clrMapOvr>
+    <a:masterClrMapping/>
+  </p:clrMapOvr>
+</p:notes>
+</file>
+
+<file path=ppt/notesSlides/notesSlide11.xml><?xml version="1.0" encoding="utf-8"?>
+<p:notes xmlns:a="http://schemas.openxmlformats.org/drawingml/2006/main" xmlns:r="http://schemas.openxmlformats.org/officeDocument/2006/relationships" xmlns:p="http://schemas.openxmlformats.org/presentationml/2006/main">
+  <p:cSld>
+    <p:spTree>
+      <p:nvGrpSpPr>
+        <p:cNvPr id="1" name=""/>
+        <p:cNvGrpSpPr/>
+        <p:nvPr/>
+      </p:nvGrpSpPr>
+      <p:grpSpPr>
+        <a:xfrm>
+          <a:off x="0" y="0"/>
+          <a:ext cx="0" cy="0"/>
+          <a:chOff x="0" y="0"/>
+          <a:chExt cx="0" cy="0"/>
+        </a:xfrm>
+      </p:grpSpPr>
+      <p:sp>
+        <p:nvSpPr>
+          <p:cNvPr id="2" name="Slide Image Placeholder 1"/>
+          <p:cNvSpPr>
+            <a:spLocks noGrp="1" noRot="1" noChangeAspect="1"/>
+          </p:cNvSpPr>
+          <p:nvPr>
+            <p:ph type="sldImg"/>
+          </p:nvPr>
+        </p:nvSpPr>
+        <p:spPr/>
+      </p:sp>
+      <p:sp>
+        <p:nvSpPr>
+          <p:cNvPr id="3" name="Notes Placeholder 2"/>
+          <p:cNvSpPr>
+            <a:spLocks noGrp="1"/>
+          </p:cNvSpPr>
+          <p:nvPr>
+            <p:ph type="body" idx="1"/>
+          </p:nvPr>
+        </p:nvSpPr>
+        <p:spPr/>
+        <p:txBody>
+          <a:bodyPr/>
+          <a:lstStyle/>
+          <a:p>
+            <a:r>
+              <a:rPr lang="en-US" dirty="0"/>
+              <a:t/>
+            </a:r>
+            <a:endParaRPr lang="en-US" dirty="0"/>
+          </a:p>
+        </p:txBody>
+      </p:sp>
+      <p:sp>
+        <p:nvSpPr>
+          <p:cNvPr id="4" name="Slide Number Placeholder 3"/>
+          <p:cNvSpPr>
+            <a:spLocks noGrp="1"/>
+          </p:cNvSpPr>
+          <p:nvPr>
+            <p:ph type="sldNum" sz="quarter" idx="10"/>
+          </p:nvPr>
+        </p:nvSpPr>
+        <p:spPr/>
+        <p:txBody>
+          <a:bodyPr/>
+          <a:lstStyle/>
+          <a:p>
+            <a:fld id="{F7021451-1387-4CA6-816F-3879F97B5CBC}" type="slidenum">
+              <a:rPr lang="en-US"/>
+              <a:t>11</a:t>
+            </a:fld>
+            <a:endParaRPr lang="en-US"/>
+          </a:p>
+        </p:txBody>
+      </p:sp>
+    </p:spTree>
+    <p:extLst>
+      <p:ext uri="{BB962C8B-B14F-4D97-AF65-F5344CB8AC3E}">
+        <p14:creationId xmlns:p14="http://schemas.microsoft.com/office/powerpoint/2010/main" val="1024086991"/>
+      </p:ext>
+    </p:extLst>
+  </p:cSld>
+  <p:clrMapOvr>
+    <a:masterClrMapping/>
+  </p:clrMapOvr>
+</p:notes>
+</file>
+
+<file path=ppt/notesSlides/notesSlide12.xml><?xml version="1.0" encoding="utf-8"?>
+<p:notes xmlns:a="http://schemas.openxmlformats.org/drawingml/2006/main" xmlns:r="http://schemas.openxmlformats.org/officeDocument/2006/relationships" xmlns:p="http://schemas.openxmlformats.org/presentationml/2006/main">
+  <p:cSld>
+    <p:spTree>
+      <p:nvGrpSpPr>
+        <p:cNvPr id="1" name=""/>
+        <p:cNvGrpSpPr/>
+        <p:nvPr/>
+      </p:nvGrpSpPr>
+      <p:grpSpPr>
+        <a:xfrm>
+          <a:off x="0" y="0"/>
+          <a:ext cx="0" cy="0"/>
+          <a:chOff x="0" y="0"/>
+          <a:chExt cx="0" cy="0"/>
+        </a:xfrm>
+      </p:grpSpPr>
+      <p:sp>
+        <p:nvSpPr>
+          <p:cNvPr id="2" name="Slide Image Placeholder 1"/>
+          <p:cNvSpPr>
+            <a:spLocks noGrp="1" noRot="1" noChangeAspect="1"/>
+          </p:cNvSpPr>
+          <p:nvPr>
+            <p:ph type="sldImg"/>
+          </p:nvPr>
+        </p:nvSpPr>
+        <p:spPr/>
+      </p:sp>
+      <p:sp>
+        <p:nvSpPr>
+          <p:cNvPr id="3" name="Notes Placeholder 2"/>
+          <p:cNvSpPr>
+            <a:spLocks noGrp="1"/>
+          </p:cNvSpPr>
+          <p:nvPr>
+            <p:ph type="body" idx="1"/>
+          </p:nvPr>
+        </p:nvSpPr>
+        <p:spPr/>
+        <p:txBody>
+          <a:bodyPr/>
+          <a:lstStyle/>
+          <a:p>
+            <a:r>
+              <a:rPr lang="en-US" dirty="0"/>
+              <a:t/>
+            </a:r>
+            <a:endParaRPr lang="en-US" dirty="0"/>
+          </a:p>
+        </p:txBody>
+      </p:sp>
+      <p:sp>
+        <p:nvSpPr>
+          <p:cNvPr id="4" name="Slide Number Placeholder 3"/>
+          <p:cNvSpPr>
+            <a:spLocks noGrp="1"/>
+          </p:cNvSpPr>
+          <p:nvPr>
+            <p:ph type="sldNum" sz="quarter" idx="10"/>
+          </p:nvPr>
+        </p:nvSpPr>
+        <p:spPr/>
+        <p:txBody>
+          <a:bodyPr/>
+          <a:lstStyle/>
+          <a:p>
+            <a:fld id="{F7021451-1387-4CA6-816F-3879F97B5CBC}" type="slidenum">
+              <a:rPr lang="en-US"/>
+              <a:t>12</a:t>
+            </a:fld>
+            <a:endParaRPr lang="en-US"/>
+          </a:p>
+        </p:txBody>
+      </p:sp>
+    </p:spTree>
+    <p:extLst>
+      <p:ext uri="{BB962C8B-B14F-4D97-AF65-F5344CB8AC3E}">
+        <p14:creationId xmlns:p14="http://schemas.microsoft.com/office/powerpoint/2010/main" val="1024086991"/>
+      </p:ext>
+    </p:extLst>
+  </p:cSld>
+  <p:clrMapOvr>
+    <a:masterClrMapping/>
+  </p:clrMapOvr>
+</p:notes>
+</file>
+
 <file path=ppt/notesSlides/notesSlide2.xml><?xml version="1.0" encoding="utf-8"?>
 <p:notes xmlns:a="http://schemas.openxmlformats.org/drawingml/2006/main" xmlns:r="http://schemas.openxmlformats.org/officeDocument/2006/relationships" xmlns:p="http://schemas.openxmlformats.org/presentationml/2006/main">
   <p:cSld>
@@ -971,6 +1241,270 @@
             <a:fld id="{F7021451-1387-4CA6-816F-3879F97B5CBC}" type="slidenum">
               <a:rPr lang="en-US"/>
               <a:t>6</a:t>
+            </a:fld>
+            <a:endParaRPr lang="en-US"/>
+          </a:p>
+        </p:txBody>
+      </p:sp>
+    </p:spTree>
+    <p:extLst>
+      <p:ext uri="{BB962C8B-B14F-4D97-AF65-F5344CB8AC3E}">
+        <p14:creationId xmlns:p14="http://schemas.microsoft.com/office/powerpoint/2010/main" val="1024086991"/>
+      </p:ext>
+    </p:extLst>
+  </p:cSld>
+  <p:clrMapOvr>
+    <a:masterClrMapping/>
+  </p:clrMapOvr>
+</p:notes>
+</file>
+
+<file path=ppt/notesSlides/notesSlide7.xml><?xml version="1.0" encoding="utf-8"?>
+<p:notes xmlns:a="http://schemas.openxmlformats.org/drawingml/2006/main" xmlns:r="http://schemas.openxmlformats.org/officeDocument/2006/relationships" xmlns:p="http://schemas.openxmlformats.org/presentationml/2006/main">
+  <p:cSld>
+    <p:spTree>
+      <p:nvGrpSpPr>
+        <p:cNvPr id="1" name=""/>
+        <p:cNvGrpSpPr/>
+        <p:nvPr/>
+      </p:nvGrpSpPr>
+      <p:grpSpPr>
+        <a:xfrm>
+          <a:off x="0" y="0"/>
+          <a:ext cx="0" cy="0"/>
+          <a:chOff x="0" y="0"/>
+          <a:chExt cx="0" cy="0"/>
+        </a:xfrm>
+      </p:grpSpPr>
+      <p:sp>
+        <p:nvSpPr>
+          <p:cNvPr id="2" name="Slide Image Placeholder 1"/>
+          <p:cNvSpPr>
+            <a:spLocks noGrp="1" noRot="1" noChangeAspect="1"/>
+          </p:cNvSpPr>
+          <p:nvPr>
+            <p:ph type="sldImg"/>
+          </p:nvPr>
+        </p:nvSpPr>
+        <p:spPr/>
+      </p:sp>
+      <p:sp>
+        <p:nvSpPr>
+          <p:cNvPr id="3" name="Notes Placeholder 2"/>
+          <p:cNvSpPr>
+            <a:spLocks noGrp="1"/>
+          </p:cNvSpPr>
+          <p:nvPr>
+            <p:ph type="body" idx="1"/>
+          </p:nvPr>
+        </p:nvSpPr>
+        <p:spPr/>
+        <p:txBody>
+          <a:bodyPr/>
+          <a:lstStyle/>
+          <a:p>
+            <a:r>
+              <a:rPr lang="en-US" dirty="0"/>
+              <a:t/>
+            </a:r>
+            <a:endParaRPr lang="en-US" dirty="0"/>
+          </a:p>
+        </p:txBody>
+      </p:sp>
+      <p:sp>
+        <p:nvSpPr>
+          <p:cNvPr id="4" name="Slide Number Placeholder 3"/>
+          <p:cNvSpPr>
+            <a:spLocks noGrp="1"/>
+          </p:cNvSpPr>
+          <p:nvPr>
+            <p:ph type="sldNum" sz="quarter" idx="10"/>
+          </p:nvPr>
+        </p:nvSpPr>
+        <p:spPr/>
+        <p:txBody>
+          <a:bodyPr/>
+          <a:lstStyle/>
+          <a:p>
+            <a:fld id="{F7021451-1387-4CA6-816F-3879F97B5CBC}" type="slidenum">
+              <a:rPr lang="en-US"/>
+              <a:t>7</a:t>
+            </a:fld>
+            <a:endParaRPr lang="en-US"/>
+          </a:p>
+        </p:txBody>
+      </p:sp>
+    </p:spTree>
+    <p:extLst>
+      <p:ext uri="{BB962C8B-B14F-4D97-AF65-F5344CB8AC3E}">
+        <p14:creationId xmlns:p14="http://schemas.microsoft.com/office/powerpoint/2010/main" val="1024086991"/>
+      </p:ext>
+    </p:extLst>
+  </p:cSld>
+  <p:clrMapOvr>
+    <a:masterClrMapping/>
+  </p:clrMapOvr>
+</p:notes>
+</file>
+
+<file path=ppt/notesSlides/notesSlide8.xml><?xml version="1.0" encoding="utf-8"?>
+<p:notes xmlns:a="http://schemas.openxmlformats.org/drawingml/2006/main" xmlns:r="http://schemas.openxmlformats.org/officeDocument/2006/relationships" xmlns:p="http://schemas.openxmlformats.org/presentationml/2006/main">
+  <p:cSld>
+    <p:spTree>
+      <p:nvGrpSpPr>
+        <p:cNvPr id="1" name=""/>
+        <p:cNvGrpSpPr/>
+        <p:nvPr/>
+      </p:nvGrpSpPr>
+      <p:grpSpPr>
+        <a:xfrm>
+          <a:off x="0" y="0"/>
+          <a:ext cx="0" cy="0"/>
+          <a:chOff x="0" y="0"/>
+          <a:chExt cx="0" cy="0"/>
+        </a:xfrm>
+      </p:grpSpPr>
+      <p:sp>
+        <p:nvSpPr>
+          <p:cNvPr id="2" name="Slide Image Placeholder 1"/>
+          <p:cNvSpPr>
+            <a:spLocks noGrp="1" noRot="1" noChangeAspect="1"/>
+          </p:cNvSpPr>
+          <p:nvPr>
+            <p:ph type="sldImg"/>
+          </p:nvPr>
+        </p:nvSpPr>
+        <p:spPr/>
+      </p:sp>
+      <p:sp>
+        <p:nvSpPr>
+          <p:cNvPr id="3" name="Notes Placeholder 2"/>
+          <p:cNvSpPr>
+            <a:spLocks noGrp="1"/>
+          </p:cNvSpPr>
+          <p:nvPr>
+            <p:ph type="body" idx="1"/>
+          </p:nvPr>
+        </p:nvSpPr>
+        <p:spPr/>
+        <p:txBody>
+          <a:bodyPr/>
+          <a:lstStyle/>
+          <a:p>
+            <a:r>
+              <a:rPr lang="en-US" dirty="0"/>
+              <a:t/>
+            </a:r>
+            <a:endParaRPr lang="en-US" dirty="0"/>
+          </a:p>
+        </p:txBody>
+      </p:sp>
+      <p:sp>
+        <p:nvSpPr>
+          <p:cNvPr id="4" name="Slide Number Placeholder 3"/>
+          <p:cNvSpPr>
+            <a:spLocks noGrp="1"/>
+          </p:cNvSpPr>
+          <p:nvPr>
+            <p:ph type="sldNum" sz="quarter" idx="10"/>
+          </p:nvPr>
+        </p:nvSpPr>
+        <p:spPr/>
+        <p:txBody>
+          <a:bodyPr/>
+          <a:lstStyle/>
+          <a:p>
+            <a:fld id="{F7021451-1387-4CA6-816F-3879F97B5CBC}" type="slidenum">
+              <a:rPr lang="en-US"/>
+              <a:t>8</a:t>
+            </a:fld>
+            <a:endParaRPr lang="en-US"/>
+          </a:p>
+        </p:txBody>
+      </p:sp>
+    </p:spTree>
+    <p:extLst>
+      <p:ext uri="{BB962C8B-B14F-4D97-AF65-F5344CB8AC3E}">
+        <p14:creationId xmlns:p14="http://schemas.microsoft.com/office/powerpoint/2010/main" val="1024086991"/>
+      </p:ext>
+    </p:extLst>
+  </p:cSld>
+  <p:clrMapOvr>
+    <a:masterClrMapping/>
+  </p:clrMapOvr>
+</p:notes>
+</file>
+
+<file path=ppt/notesSlides/notesSlide9.xml><?xml version="1.0" encoding="utf-8"?>
+<p:notes xmlns:a="http://schemas.openxmlformats.org/drawingml/2006/main" xmlns:r="http://schemas.openxmlformats.org/officeDocument/2006/relationships" xmlns:p="http://schemas.openxmlformats.org/presentationml/2006/main">
+  <p:cSld>
+    <p:spTree>
+      <p:nvGrpSpPr>
+        <p:cNvPr id="1" name=""/>
+        <p:cNvGrpSpPr/>
+        <p:nvPr/>
+      </p:nvGrpSpPr>
+      <p:grpSpPr>
+        <a:xfrm>
+          <a:off x="0" y="0"/>
+          <a:ext cx="0" cy="0"/>
+          <a:chOff x="0" y="0"/>
+          <a:chExt cx="0" cy="0"/>
+        </a:xfrm>
+      </p:grpSpPr>
+      <p:sp>
+        <p:nvSpPr>
+          <p:cNvPr id="2" name="Slide Image Placeholder 1"/>
+          <p:cNvSpPr>
+            <a:spLocks noGrp="1" noRot="1" noChangeAspect="1"/>
+          </p:cNvSpPr>
+          <p:nvPr>
+            <p:ph type="sldImg"/>
+          </p:nvPr>
+        </p:nvSpPr>
+        <p:spPr/>
+      </p:sp>
+      <p:sp>
+        <p:nvSpPr>
+          <p:cNvPr id="3" name="Notes Placeholder 2"/>
+          <p:cNvSpPr>
+            <a:spLocks noGrp="1"/>
+          </p:cNvSpPr>
+          <p:nvPr>
+            <p:ph type="body" idx="1"/>
+          </p:nvPr>
+        </p:nvSpPr>
+        <p:spPr/>
+        <p:txBody>
+          <a:bodyPr/>
+          <a:lstStyle/>
+          <a:p>
+            <a:r>
+              <a:rPr lang="en-US" dirty="0"/>
+              <a:t/>
+            </a:r>
+            <a:endParaRPr lang="en-US" dirty="0"/>
+          </a:p>
+        </p:txBody>
+      </p:sp>
+      <p:sp>
+        <p:nvSpPr>
+          <p:cNvPr id="4" name="Slide Number Placeholder 3"/>
+          <p:cNvSpPr>
+            <a:spLocks noGrp="1"/>
+          </p:cNvSpPr>
+          <p:nvPr>
+            <p:ph type="sldNum" sz="quarter" idx="10"/>
+          </p:nvPr>
+        </p:nvSpPr>
+        <p:spPr/>
+        <p:txBody>
+          <a:bodyPr/>
+          <a:lstStyle/>
+          <a:p>
+            <a:fld id="{F7021451-1387-4CA6-816F-3879F97B5CBC}" type="slidenum">
+              <a:rPr lang="en-US"/>
+              <a:t>9</a:t>
             </a:fld>
             <a:endParaRPr lang="en-US"/>
           </a:p>
@@ -1350,7 +1884,7 @@
                   <a:srgbClr val="FF0000"/>
                 </a:solidFill>
               </a:rPr>
-              <a:t>DEUS TRINO DE AMOR</a:t>
+              <a:t>GLORIA BANDA CIROS</a:t>
             </a:r>
             <a:endParaRPr lang="en-US" sz="2400" dirty="0"/>
           </a:p>
@@ -1388,7 +1922,385 @@
                   <a:srgbClr val="F5FFFA"/>
                 </a:solidFill>
               </a:rPr>
-              <a:t>Estrofe 1: Em nome do Pai, Em nome do Filho, Em nome do Espírito Santo, Estamos aqui</a:t>
+              <a:t>Estrofe 1: Deus e Pai nós vos louvamos</a:t>
+            </a:r>
+            <a:endParaRPr lang="en-US" sz="2400" dirty="0"/>
+          </a:p>
+          <a:p>
+            <a:pPr algn="ctr" indent="0" marL="0">
+              <a:buNone/>
+            </a:pPr>
+            <a:r>
+              <a:rPr lang="en-US" sz="2400" dirty="0">
+                <a:solidFill>
+                  <a:srgbClr val="F5FFFA"/>
+                </a:solidFill>
+              </a:rPr>
+              <a:t>Adoramos, bendizemos</a:t>
+            </a:r>
+            <a:endParaRPr lang="en-US" sz="2400" dirty="0"/>
+          </a:p>
+          <a:p>
+            <a:pPr algn="ctr" indent="0" marL="0">
+              <a:buNone/>
+            </a:pPr>
+            <a:r>
+              <a:rPr lang="en-US" sz="2400" dirty="0">
+                <a:solidFill>
+                  <a:srgbClr val="F5FFFA"/>
+                </a:solidFill>
+              </a:rPr>
+              <a:t>Damos glória ao vosso nome</a:t>
+            </a:r>
+            <a:endParaRPr lang="en-US" sz="2400" dirty="0"/>
+          </a:p>
+          <a:p>
+            <a:pPr algn="ctr" indent="0" marL="0">
+              <a:buNone/>
+            </a:pPr>
+            <a:r>
+              <a:rPr lang="en-US" sz="2400" dirty="0">
+                <a:solidFill>
+                  <a:srgbClr val="F5FFFA"/>
+                </a:solidFill>
+              </a:rPr>
+              <a:t>Vossos dons agradecemos</a:t>
+            </a:r>
+            <a:endParaRPr lang="en-US" sz="2400" dirty="0"/>
+          </a:p>
+        </p:txBody>
+      </p:sp>
+    </p:spTree>
+  </p:cSld>
+  <p:clrMapOvr>
+    <a:masterClrMapping/>
+  </p:clrMapOvr>
+</p:sld>
+</file>
+
+<file path=ppt/slides/slide10.xml><?xml version="1.0" encoding="utf-8"?>
+<p:sld xmlns:a="http://schemas.openxmlformats.org/drawingml/2006/main" xmlns:r="http://schemas.openxmlformats.org/officeDocument/2006/relationships" xmlns:p="http://schemas.openxmlformats.org/presentationml/2006/main">
+  <p:cSld name="Slide 10">
+    <p:bg>
+      <p:bgPr>
+        <a:solidFill>
+          <a:srgbClr val="000000"/>
+        </a:solidFill>
+      </p:bgPr>
+    </p:bg>
+    <p:spTree>
+      <p:nvGrpSpPr>
+        <p:cNvPr id="1" name=""/>
+        <p:cNvGrpSpPr/>
+        <p:nvPr/>
+      </p:nvGrpSpPr>
+      <p:grpSpPr>
+        <a:xfrm>
+          <a:off x="0" y="0"/>
+          <a:ext cx="0" cy="0"/>
+          <a:chOff x="0" y="0"/>
+          <a:chExt cx="0" cy="0"/>
+        </a:xfrm>
+      </p:grpSpPr>
+      <p:sp>
+        <p:nvSpPr>
+          <p:cNvPr id="2" name="Text 0"/>
+          <p:cNvSpPr/>
+          <p:nvPr/>
+        </p:nvSpPr>
+        <p:spPr>
+          <a:xfrm>
+            <a:off x="1371600" y="2286000"/>
+            <a:ext cx="6858000" cy="0"/>
+          </a:xfrm>
+          <a:prstGeom prst="rect">
+            <a:avLst/>
+          </a:prstGeom>
+          <a:solidFill>
+            <a:srgbClr val="F1F1F1"/>
+          </a:solidFill>
+          <a:ln/>
+        </p:spPr>
+        <p:txBody>
+          <a:bodyPr wrap="square" rtlCol="0" anchor="ctr"/>
+          <a:lstStyle/>
+          <a:p>
+            <a:pPr algn="ctr" indent="0" marL="0">
+              <a:buNone/>
+            </a:pPr>
+            <a:r>
+              <a:rPr lang="en-US" sz="2400" dirty="0">
+                <a:solidFill>
+                  <a:srgbClr val="F5FFFA"/>
+                </a:solidFill>
+              </a:rPr>
+              <a:t>Refrão: Eis o que eu venho Te dar</a:t>
+            </a:r>
+            <a:endParaRPr lang="en-US" sz="2400" dirty="0"/>
+          </a:p>
+          <a:p>
+            <a:pPr algn="ctr" indent="0" marL="0">
+              <a:buNone/>
+            </a:pPr>
+            <a:r>
+              <a:rPr lang="en-US" sz="2400" dirty="0">
+                <a:solidFill>
+                  <a:srgbClr val="F5FFFA"/>
+                </a:solidFill>
+              </a:rPr>
+              <a:t>Eis o que eu ponho no altar</a:t>
+            </a:r>
+            <a:endParaRPr lang="en-US" sz="2400" dirty="0"/>
+          </a:p>
+          <a:p>
+            <a:pPr algn="ctr" indent="0" marL="0">
+              <a:buNone/>
+            </a:pPr>
+            <a:r>
+              <a:rPr lang="en-US" sz="2400" dirty="0">
+                <a:solidFill>
+                  <a:srgbClr val="F5FFFA"/>
+                </a:solidFill>
+              </a:rPr>
+              <a:t>Toma, Senhor, que ele é Teu</a:t>
+            </a:r>
+            <a:endParaRPr lang="en-US" sz="2400" dirty="0"/>
+          </a:p>
+          <a:p>
+            <a:pPr algn="ctr" indent="0" marL="0">
+              <a:buNone/>
+            </a:pPr>
+            <a:r>
+              <a:rPr lang="en-US" sz="2400" dirty="0">
+                <a:solidFill>
+                  <a:srgbClr val="F5FFFA"/>
+                </a:solidFill>
+              </a:rPr>
+              <a:t>Meu coração não é meu</a:t>
+            </a:r>
+            <a:endParaRPr lang="en-US" sz="2400" dirty="0"/>
+          </a:p>
+        </p:txBody>
+      </p:sp>
+    </p:spTree>
+  </p:cSld>
+  <p:clrMapOvr>
+    <a:masterClrMapping/>
+  </p:clrMapOvr>
+</p:sld>
+</file>
+
+<file path=ppt/slides/slide11.xml><?xml version="1.0" encoding="utf-8"?>
+<p:sld xmlns:a="http://schemas.openxmlformats.org/drawingml/2006/main" xmlns:r="http://schemas.openxmlformats.org/officeDocument/2006/relationships" xmlns:p="http://schemas.openxmlformats.org/presentationml/2006/main">
+  <p:cSld name="Slide 11">
+    <p:bg>
+      <p:bgPr>
+        <a:solidFill>
+          <a:srgbClr val="000000"/>
+        </a:solidFill>
+      </p:bgPr>
+    </p:bg>
+    <p:spTree>
+      <p:nvGrpSpPr>
+        <p:cNvPr id="1" name=""/>
+        <p:cNvGrpSpPr/>
+        <p:nvPr/>
+      </p:nvGrpSpPr>
+      <p:grpSpPr>
+        <a:xfrm>
+          <a:off x="0" y="0"/>
+          <a:ext cx="0" cy="0"/>
+          <a:chOff x="0" y="0"/>
+          <a:chExt cx="0" cy="0"/>
+        </a:xfrm>
+      </p:grpSpPr>
+      <p:sp>
+        <p:nvSpPr>
+          <p:cNvPr id="2" name="Text 0"/>
+          <p:cNvSpPr/>
+          <p:nvPr/>
+        </p:nvSpPr>
+        <p:spPr>
+          <a:xfrm>
+            <a:off x="1371600" y="2286000"/>
+            <a:ext cx="6858000" cy="0"/>
+          </a:xfrm>
+          <a:prstGeom prst="rect">
+            <a:avLst/>
+          </a:prstGeom>
+          <a:solidFill>
+            <a:srgbClr val="F1F1F1"/>
+          </a:solidFill>
+          <a:ln/>
+        </p:spPr>
+        <p:txBody>
+          <a:bodyPr wrap="square" rtlCol="0" anchor="ctr"/>
+          <a:lstStyle/>
+          <a:p>
+            <a:pPr algn="ctr" indent="0" marL="0">
+              <a:buNone/>
+            </a:pPr>
+            <a:r>
+              <a:rPr lang="en-US" sz="2400" dirty="0">
+                <a:solidFill>
+                  <a:srgbClr val="F5FFFA"/>
+                </a:solidFill>
+              </a:rPr>
+              <a:t>Estrofe 2: Quero que o meu coração seja tão cheio de paz</a:t>
+            </a:r>
+            <a:endParaRPr lang="en-US" sz="2400" dirty="0"/>
+          </a:p>
+          <a:p>
+            <a:pPr algn="ctr" indent="0" marL="0">
+              <a:buNone/>
+            </a:pPr>
+            <a:r>
+              <a:rPr lang="en-US" sz="2400" dirty="0">
+                <a:solidFill>
+                  <a:srgbClr val="F5FFFA"/>
+                </a:solidFill>
+              </a:rPr>
+              <a:t>Que não se sinta capaz de sentir ódio ou rancor</a:t>
+            </a:r>
+            <a:endParaRPr lang="en-US" sz="2400" dirty="0"/>
+          </a:p>
+          <a:p>
+            <a:pPr algn="ctr" indent="0" marL="0">
+              <a:buNone/>
+            </a:pPr>
+            <a:r>
+              <a:rPr lang="en-US" sz="2400" dirty="0">
+                <a:solidFill>
+                  <a:srgbClr val="F5FFFA"/>
+                </a:solidFill>
+              </a:rPr>
+              <a:t>Quero que a minha oração possa me amadurecer</a:t>
+            </a:r>
+            <a:endParaRPr lang="en-US" sz="2400" dirty="0"/>
+          </a:p>
+          <a:p>
+            <a:pPr algn="ctr" indent="0" marL="0">
+              <a:buNone/>
+            </a:pPr>
+            <a:r>
+              <a:rPr lang="en-US" sz="2400" dirty="0">
+                <a:solidFill>
+                  <a:srgbClr val="F5FFFA"/>
+                </a:solidFill>
+              </a:rPr>
+              <a:t>Leve-me a compreender as consequências do amor</a:t>
+            </a:r>
+            <a:endParaRPr lang="en-US" sz="2400" dirty="0"/>
+          </a:p>
+        </p:txBody>
+      </p:sp>
+    </p:spTree>
+  </p:cSld>
+  <p:clrMapOvr>
+    <a:masterClrMapping/>
+  </p:clrMapOvr>
+</p:sld>
+</file>
+
+<file path=ppt/slides/slide12.xml><?xml version="1.0" encoding="utf-8"?>
+<p:sld xmlns:a="http://schemas.openxmlformats.org/drawingml/2006/main" xmlns:r="http://schemas.openxmlformats.org/officeDocument/2006/relationships" xmlns:p="http://schemas.openxmlformats.org/presentationml/2006/main">
+  <p:cSld name="Slide 12">
+    <p:bg>
+      <p:bgPr>
+        <a:solidFill>
+          <a:srgbClr val="000000"/>
+        </a:solidFill>
+      </p:bgPr>
+    </p:bg>
+    <p:spTree>
+      <p:nvGrpSpPr>
+        <p:cNvPr id="1" name=""/>
+        <p:cNvGrpSpPr/>
+        <p:nvPr/>
+      </p:nvGrpSpPr>
+      <p:grpSpPr>
+        <a:xfrm>
+          <a:off x="0" y="0"/>
+          <a:ext cx="0" cy="0"/>
+          <a:chOff x="0" y="0"/>
+          <a:chExt cx="0" cy="0"/>
+        </a:xfrm>
+      </p:grpSpPr>
+      <p:sp>
+        <p:nvSpPr>
+          <p:cNvPr id="2" name="Text 0"/>
+          <p:cNvSpPr/>
+          <p:nvPr/>
+        </p:nvSpPr>
+        <p:spPr>
+          <a:xfrm>
+            <a:off x="1371600" y="2286000"/>
+            <a:ext cx="6858000" cy="0"/>
+          </a:xfrm>
+          <a:prstGeom prst="rect">
+            <a:avLst/>
+          </a:prstGeom>
+          <a:solidFill>
+            <a:srgbClr val="F1F1F1"/>
+          </a:solidFill>
+          <a:ln/>
+        </p:spPr>
+        <p:txBody>
+          <a:bodyPr wrap="square" rtlCol="0" anchor="ctr"/>
+          <a:lstStyle/>
+          <a:p>
+            <a:pPr algn="ctr" indent="0" marL="0">
+              <a:buNone/>
+            </a:pPr>
+            <a:r>
+              <a:rPr lang="en-US" sz="2400" dirty="0">
+                <a:solidFill>
+                  <a:srgbClr val="F5FFFA"/>
+                </a:solidFill>
+              </a:rPr>
+              <a:t>Refrão: Eis o que eu venho Te dar</a:t>
+            </a:r>
+            <a:endParaRPr lang="en-US" sz="2400" dirty="0"/>
+          </a:p>
+          <a:p>
+            <a:pPr algn="ctr" indent="0" marL="0">
+              <a:buNone/>
+            </a:pPr>
+            <a:r>
+              <a:rPr lang="en-US" sz="2400" dirty="0">
+                <a:solidFill>
+                  <a:srgbClr val="F5FFFA"/>
+                </a:solidFill>
+              </a:rPr>
+              <a:t>Eis o que eu ponho no altar</a:t>
+            </a:r>
+            <a:endParaRPr lang="en-US" sz="2400" dirty="0"/>
+          </a:p>
+          <a:p>
+            <a:pPr algn="ctr" indent="0" marL="0">
+              <a:buNone/>
+            </a:pPr>
+            <a:r>
+              <a:rPr lang="en-US" sz="2400" dirty="0">
+                <a:solidFill>
+                  <a:srgbClr val="F5FFFA"/>
+                </a:solidFill>
+              </a:rPr>
+              <a:t>Toma, Senhor, que ele é Teu</a:t>
+            </a:r>
+            <a:endParaRPr lang="en-US" sz="2400" dirty="0"/>
+          </a:p>
+          <a:p>
+            <a:pPr algn="ctr" indent="0" marL="0">
+              <a:buNone/>
+            </a:pPr>
+            <a:r>
+              <a:rPr lang="en-US" sz="2400" dirty="0">
+                <a:solidFill>
+                  <a:srgbClr val="F5FFFA"/>
+                </a:solidFill>
+              </a:rPr>
+              <a:t>Meu coração não é meu</a:t>
             </a:r>
             <a:endParaRPr lang="en-US" sz="2400" dirty="0"/>
           </a:p>
@@ -1458,7 +2370,7 @@
                   <a:srgbClr val="F5FFFA"/>
                 </a:solidFill>
               </a:rPr>
-              <a:t>Refrão: Para Louvar e agradecer, bendizer e adorar, estamos aqui Senhor, ao seu dispor. Para Louvar e agradecer, bendizer e exaltar, te aclamar, deus trino de amor</a:t>
+              <a:t>Refrão: Glória, glória a Deus no céu e paz na Terra</a:t>
             </a:r>
             <a:endParaRPr lang="en-US" sz="2400" dirty="0"/>
           </a:p>
@@ -1504,42 +2416,6 @@
         </p:nvSpPr>
         <p:spPr>
           <a:xfrm>
-            <a:off x="1371600" y="457200"/>
-            <a:ext cx="6858000" cy="0"/>
-          </a:xfrm>
-          <a:prstGeom prst="rect">
-            <a:avLst/>
-          </a:prstGeom>
-          <a:noFill/>
-          <a:ln/>
-        </p:spPr>
-        <p:txBody>
-          <a:bodyPr wrap="square" rtlCol="0" anchor="ctr"/>
-          <a:lstStyle/>
-          <a:p>
-            <a:pPr algn="ctr" indent="0" marL="0">
-              <a:buNone/>
-            </a:pPr>
-            <a:r>
-              <a:rPr lang="en-US" sz="2400" dirty="0">
-                <a:solidFill>
-                  <a:srgbClr val="FF0000"/>
-                </a:solidFill>
-              </a:rPr>
-              <a:t>UM CORAÇÃO PARA AMAR</a:t>
-            </a:r>
-            <a:endParaRPr lang="en-US" sz="2400" dirty="0"/>
-          </a:p>
-        </p:txBody>
-      </p:sp>
-      <p:sp>
-        <p:nvSpPr>
-          <p:cNvPr id="3" name="Text 1"/>
-          <p:cNvSpPr/>
-          <p:nvPr/>
-        </p:nvSpPr>
-        <p:spPr>
-          <a:xfrm>
             <a:off x="1371600" y="2286000"/>
             <a:ext cx="6858000" cy="0"/>
           </a:xfrm>
@@ -1564,7 +2440,7 @@
                   <a:srgbClr val="F5FFFA"/>
                 </a:solidFill>
               </a:rPr>
-              <a:t>Estrofe 1: Um coração para amar, pra perdoar e sentir</a:t>
+              <a:t>Estrofe 2: Senhor nosso Jesus Cristo</a:t>
             </a:r>
             <a:endParaRPr lang="en-US" sz="2400" dirty="0"/>
           </a:p>
@@ -1578,7 +2454,7 @@
                   <a:srgbClr val="F5FFFA"/>
                 </a:solidFill>
               </a:rPr>
-              <a:t>Para chorar e sorrir, ao me criar Tu me destes</a:t>
+              <a:t>Unigênito do Pai</a:t>
             </a:r>
             <a:endParaRPr lang="en-US" sz="2400" dirty="0"/>
           </a:p>
@@ -1592,7 +2468,7 @@
                   <a:srgbClr val="F5FFFA"/>
                 </a:solidFill>
               </a:rPr>
-              <a:t>Um coração pra sonhar, inquieto e sempre a bater</a:t>
+              <a:t>Voz de Deus, Cordeiro Santo</a:t>
             </a:r>
             <a:endParaRPr lang="en-US" sz="2400" dirty="0"/>
           </a:p>
@@ -1606,7 +2482,7 @@
                   <a:srgbClr val="F5FFFA"/>
                 </a:solidFill>
               </a:rPr>
-              <a:t>Ansioso por entender as coisas que Tu disseste</a:t>
+              <a:t>Nossas culpas perdoai</a:t>
             </a:r>
             <a:endParaRPr lang="en-US" sz="2400" dirty="0"/>
           </a:p>
@@ -1676,49 +2552,7 @@
                   <a:srgbClr val="F5FFFA"/>
                 </a:solidFill>
               </a:rPr>
-              <a:t>Refrão: Eis o que eu venho Te dar</a:t>
-            </a:r>
-            <a:endParaRPr lang="en-US" sz="2400" dirty="0"/>
-          </a:p>
-          <a:p>
-            <a:pPr algn="ctr" indent="0" marL="0">
-              <a:buNone/>
-            </a:pPr>
-            <a:r>
-              <a:rPr lang="en-US" sz="2400" dirty="0">
-                <a:solidFill>
-                  <a:srgbClr val="F5FFFA"/>
-                </a:solidFill>
-              </a:rPr>
-              <a:t>Eis o que eu ponho no altar</a:t>
-            </a:r>
-            <a:endParaRPr lang="en-US" sz="2400" dirty="0"/>
-          </a:p>
-          <a:p>
-            <a:pPr algn="ctr" indent="0" marL="0">
-              <a:buNone/>
-            </a:pPr>
-            <a:r>
-              <a:rPr lang="en-US" sz="2400" dirty="0">
-                <a:solidFill>
-                  <a:srgbClr val="F5FFFA"/>
-                </a:solidFill>
-              </a:rPr>
-              <a:t>Toma, Senhor, que ele é Teu</a:t>
-            </a:r>
-            <a:endParaRPr lang="en-US" sz="2400" dirty="0"/>
-          </a:p>
-          <a:p>
-            <a:pPr algn="ctr" indent="0" marL="0">
-              <a:buNone/>
-            </a:pPr>
-            <a:r>
-              <a:rPr lang="en-US" sz="2400" dirty="0">
-                <a:solidFill>
-                  <a:srgbClr val="F5FFFA"/>
-                </a:solidFill>
-              </a:rPr>
-              <a:t>Meu coração não é meu</a:t>
+              <a:t>Refrão: Glória, glória a Deus no céu e paz na Terra</a:t>
             </a:r>
             <a:endParaRPr lang="en-US" sz="2400" dirty="0"/>
           </a:p>
@@ -1788,7 +2622,7 @@
                   <a:srgbClr val="F5FFFA"/>
                 </a:solidFill>
               </a:rPr>
-              <a:t>Estrofe 2: Quero que o meu coração seja tão cheio de paz</a:t>
+              <a:t>Estrofe 3: Vós que estais junto do Pai</a:t>
             </a:r>
             <a:endParaRPr lang="en-US" sz="2400" dirty="0"/>
           </a:p>
@@ -1802,7 +2636,7 @@
                   <a:srgbClr val="F5FFFA"/>
                 </a:solidFill>
               </a:rPr>
-              <a:t>Que não se sinta capaz de sentir ódio ou rancor</a:t>
+              <a:t>Como nosso intercessor</a:t>
             </a:r>
             <a:endParaRPr lang="en-US" sz="2400" dirty="0"/>
           </a:p>
@@ -1816,7 +2650,7 @@
                   <a:srgbClr val="F5FFFA"/>
                 </a:solidFill>
               </a:rPr>
-              <a:t>Quero que a minha oração possa me amadurecer</a:t>
+              <a:t>Acolhei nossos pedidos</a:t>
             </a:r>
             <a:endParaRPr lang="en-US" sz="2400" dirty="0"/>
           </a:p>
@@ -1830,7 +2664,7 @@
                   <a:srgbClr val="F5FFFA"/>
                 </a:solidFill>
               </a:rPr>
-              <a:t>Leve-me a compreender as consequências do amor</a:t>
+              <a:t>Atendei nosso clamor</a:t>
             </a:r>
             <a:endParaRPr lang="en-US" sz="2400" dirty="0"/>
           </a:p>
@@ -1900,10 +2734,102 @@
                   <a:srgbClr val="F5FFFA"/>
                 </a:solidFill>
               </a:rPr>
-              <a:t>Refrão: Eis o que eu venho Te dar</a:t>
-            </a:r>
-            <a:endParaRPr lang="en-US" sz="2400" dirty="0"/>
-          </a:p>
+              <a:t>Refrão: Glória, glória a Deus no céu e paz na Terra</a:t>
+            </a:r>
+            <a:endParaRPr lang="en-US" sz="2400" dirty="0"/>
+          </a:p>
+        </p:txBody>
+      </p:sp>
+    </p:spTree>
+  </p:cSld>
+  <p:clrMapOvr>
+    <a:masterClrMapping/>
+  </p:clrMapOvr>
+</p:sld>
+</file>
+
+<file path=ppt/slides/slide7.xml><?xml version="1.0" encoding="utf-8"?>
+<p:sld xmlns:a="http://schemas.openxmlformats.org/drawingml/2006/main" xmlns:r="http://schemas.openxmlformats.org/officeDocument/2006/relationships" xmlns:p="http://schemas.openxmlformats.org/presentationml/2006/main">
+  <p:cSld name="Slide 7">
+    <p:bg>
+      <p:bgPr>
+        <a:solidFill>
+          <a:srgbClr val="000000"/>
+        </a:solidFill>
+      </p:bgPr>
+    </p:bg>
+    <p:spTree>
+      <p:nvGrpSpPr>
+        <p:cNvPr id="1" name=""/>
+        <p:cNvGrpSpPr/>
+        <p:nvPr/>
+      </p:nvGrpSpPr>
+      <p:grpSpPr>
+        <a:xfrm>
+          <a:off x="0" y="0"/>
+          <a:ext cx="0" cy="0"/>
+          <a:chOff x="0" y="0"/>
+          <a:chExt cx="0" cy="0"/>
+        </a:xfrm>
+      </p:grpSpPr>
+      <p:sp>
+        <p:nvSpPr>
+          <p:cNvPr id="2" name="Text 0"/>
+          <p:cNvSpPr/>
+          <p:nvPr/>
+        </p:nvSpPr>
+        <p:spPr>
+          <a:xfrm>
+            <a:off x="1371600" y="457200"/>
+            <a:ext cx="6858000" cy="0"/>
+          </a:xfrm>
+          <a:prstGeom prst="rect">
+            <a:avLst/>
+          </a:prstGeom>
+          <a:noFill/>
+          <a:ln/>
+        </p:spPr>
+        <p:txBody>
+          <a:bodyPr wrap="square" rtlCol="0" anchor="ctr"/>
+          <a:lstStyle/>
+          <a:p>
+            <a:pPr algn="ctr" indent="0" marL="0">
+              <a:buNone/>
+            </a:pPr>
+            <a:r>
+              <a:rPr lang="en-US" sz="2400" dirty="0">
+                <a:solidFill>
+                  <a:srgbClr val="FF0000"/>
+                </a:solidFill>
+              </a:rPr>
+              <a:t>DEUS TRINO DE AMOR</a:t>
+            </a:r>
+            <a:endParaRPr lang="en-US" sz="2400" dirty="0"/>
+          </a:p>
+        </p:txBody>
+      </p:sp>
+      <p:sp>
+        <p:nvSpPr>
+          <p:cNvPr id="3" name="Text 1"/>
+          <p:cNvSpPr/>
+          <p:nvPr/>
+        </p:nvSpPr>
+        <p:spPr>
+          <a:xfrm>
+            <a:off x="1371600" y="2286000"/>
+            <a:ext cx="6858000" cy="0"/>
+          </a:xfrm>
+          <a:prstGeom prst="rect">
+            <a:avLst/>
+          </a:prstGeom>
+          <a:solidFill>
+            <a:srgbClr val="F1F1F1"/>
+          </a:solidFill>
+          <a:ln/>
+        </p:spPr>
+        <p:txBody>
+          <a:bodyPr wrap="square" rtlCol="0" anchor="ctr"/>
+          <a:lstStyle/>
           <a:p>
             <a:pPr algn="ctr" indent="0" marL="0">
               <a:buNone/>
@@ -1914,10 +2840,66 @@
                   <a:srgbClr val="F5FFFA"/>
                 </a:solidFill>
               </a:rPr>
-              <a:t>Eis o que eu ponho no altar</a:t>
-            </a:r>
-            <a:endParaRPr lang="en-US" sz="2400" dirty="0"/>
-          </a:p>
+              <a:t>Estrofe 1: Em nome do Pai, Em nome do Filho, Em nome do Espírito Santo, Estamos aqui</a:t>
+            </a:r>
+            <a:endParaRPr lang="en-US" sz="2400" dirty="0"/>
+          </a:p>
+        </p:txBody>
+      </p:sp>
+    </p:spTree>
+  </p:cSld>
+  <p:clrMapOvr>
+    <a:masterClrMapping/>
+  </p:clrMapOvr>
+</p:sld>
+</file>
+
+<file path=ppt/slides/slide8.xml><?xml version="1.0" encoding="utf-8"?>
+<p:sld xmlns:a="http://schemas.openxmlformats.org/drawingml/2006/main" xmlns:r="http://schemas.openxmlformats.org/officeDocument/2006/relationships" xmlns:p="http://schemas.openxmlformats.org/presentationml/2006/main">
+  <p:cSld name="Slide 8">
+    <p:bg>
+      <p:bgPr>
+        <a:solidFill>
+          <a:srgbClr val="000000"/>
+        </a:solidFill>
+      </p:bgPr>
+    </p:bg>
+    <p:spTree>
+      <p:nvGrpSpPr>
+        <p:cNvPr id="1" name=""/>
+        <p:cNvGrpSpPr/>
+        <p:nvPr/>
+      </p:nvGrpSpPr>
+      <p:grpSpPr>
+        <a:xfrm>
+          <a:off x="0" y="0"/>
+          <a:ext cx="0" cy="0"/>
+          <a:chOff x="0" y="0"/>
+          <a:chExt cx="0" cy="0"/>
+        </a:xfrm>
+      </p:grpSpPr>
+      <p:sp>
+        <p:nvSpPr>
+          <p:cNvPr id="2" name="Text 0"/>
+          <p:cNvSpPr/>
+          <p:nvPr/>
+        </p:nvSpPr>
+        <p:spPr>
+          <a:xfrm>
+            <a:off x="1371600" y="2286000"/>
+            <a:ext cx="6858000" cy="0"/>
+          </a:xfrm>
+          <a:prstGeom prst="rect">
+            <a:avLst/>
+          </a:prstGeom>
+          <a:solidFill>
+            <a:srgbClr val="F1F1F1"/>
+          </a:solidFill>
+          <a:ln/>
+        </p:spPr>
+        <p:txBody>
+          <a:bodyPr wrap="square" rtlCol="0" anchor="ctr"/>
+          <a:lstStyle/>
           <a:p>
             <a:pPr algn="ctr" indent="0" marL="0">
               <a:buNone/>
@@ -1928,10 +2910,102 @@
                   <a:srgbClr val="F5FFFA"/>
                 </a:solidFill>
               </a:rPr>
-              <a:t>Toma, Senhor, que ele é Teu</a:t>
-            </a:r>
-            <a:endParaRPr lang="en-US" sz="2400" dirty="0"/>
-          </a:p>
+              <a:t>Refrão: Para Louvar e agradecer, bendizer e adorar, estamos aqui Senhor, ao seu dispor. Para Louvar e agradecer, bendizer e exaltar, te aclamar, deus trino de amor</a:t>
+            </a:r>
+            <a:endParaRPr lang="en-US" sz="2400" dirty="0"/>
+          </a:p>
+        </p:txBody>
+      </p:sp>
+    </p:spTree>
+  </p:cSld>
+  <p:clrMapOvr>
+    <a:masterClrMapping/>
+  </p:clrMapOvr>
+</p:sld>
+</file>
+
+<file path=ppt/slides/slide9.xml><?xml version="1.0" encoding="utf-8"?>
+<p:sld xmlns:a="http://schemas.openxmlformats.org/drawingml/2006/main" xmlns:r="http://schemas.openxmlformats.org/officeDocument/2006/relationships" xmlns:p="http://schemas.openxmlformats.org/presentationml/2006/main">
+  <p:cSld name="Slide 9">
+    <p:bg>
+      <p:bgPr>
+        <a:solidFill>
+          <a:srgbClr val="000000"/>
+        </a:solidFill>
+      </p:bgPr>
+    </p:bg>
+    <p:spTree>
+      <p:nvGrpSpPr>
+        <p:cNvPr id="1" name=""/>
+        <p:cNvGrpSpPr/>
+        <p:nvPr/>
+      </p:nvGrpSpPr>
+      <p:grpSpPr>
+        <a:xfrm>
+          <a:off x="0" y="0"/>
+          <a:ext cx="0" cy="0"/>
+          <a:chOff x="0" y="0"/>
+          <a:chExt cx="0" cy="0"/>
+        </a:xfrm>
+      </p:grpSpPr>
+      <p:sp>
+        <p:nvSpPr>
+          <p:cNvPr id="2" name="Text 0"/>
+          <p:cNvSpPr/>
+          <p:nvPr/>
+        </p:nvSpPr>
+        <p:spPr>
+          <a:xfrm>
+            <a:off x="1371600" y="457200"/>
+            <a:ext cx="6858000" cy="0"/>
+          </a:xfrm>
+          <a:prstGeom prst="rect">
+            <a:avLst/>
+          </a:prstGeom>
+          <a:noFill/>
+          <a:ln/>
+        </p:spPr>
+        <p:txBody>
+          <a:bodyPr wrap="square" rtlCol="0" anchor="ctr"/>
+          <a:lstStyle/>
+          <a:p>
+            <a:pPr algn="ctr" indent="0" marL="0">
+              <a:buNone/>
+            </a:pPr>
+            <a:r>
+              <a:rPr lang="en-US" sz="2400" dirty="0">
+                <a:solidFill>
+                  <a:srgbClr val="FF0000"/>
+                </a:solidFill>
+              </a:rPr>
+              <a:t>UM CORAÇÃO PARA AMAR</a:t>
+            </a:r>
+            <a:endParaRPr lang="en-US" sz="2400" dirty="0"/>
+          </a:p>
+        </p:txBody>
+      </p:sp>
+      <p:sp>
+        <p:nvSpPr>
+          <p:cNvPr id="3" name="Text 1"/>
+          <p:cNvSpPr/>
+          <p:nvPr/>
+        </p:nvSpPr>
+        <p:spPr>
+          <a:xfrm>
+            <a:off x="1371600" y="2286000"/>
+            <a:ext cx="6858000" cy="0"/>
+          </a:xfrm>
+          <a:prstGeom prst="rect">
+            <a:avLst/>
+          </a:prstGeom>
+          <a:solidFill>
+            <a:srgbClr val="F1F1F1"/>
+          </a:solidFill>
+          <a:ln/>
+        </p:spPr>
+        <p:txBody>
+          <a:bodyPr wrap="square" rtlCol="0" anchor="ctr"/>
+          <a:lstStyle/>
           <a:p>
             <a:pPr algn="ctr" indent="0" marL="0">
               <a:buNone/>
@@ -1942,7 +3016,49 @@
                   <a:srgbClr val="F5FFFA"/>
                 </a:solidFill>
               </a:rPr>
-              <a:t>Meu coração não é meu</a:t>
+              <a:t>Estrofe 1: Um coração para amar, pra perdoar e sentir</a:t>
+            </a:r>
+            <a:endParaRPr lang="en-US" sz="2400" dirty="0"/>
+          </a:p>
+          <a:p>
+            <a:pPr algn="ctr" indent="0" marL="0">
+              <a:buNone/>
+            </a:pPr>
+            <a:r>
+              <a:rPr lang="en-US" sz="2400" dirty="0">
+                <a:solidFill>
+                  <a:srgbClr val="F5FFFA"/>
+                </a:solidFill>
+              </a:rPr>
+              <a:t>Para chorar e sorrir, ao me criar Tu me destes</a:t>
+            </a:r>
+            <a:endParaRPr lang="en-US" sz="2400" dirty="0"/>
+          </a:p>
+          <a:p>
+            <a:pPr algn="ctr" indent="0" marL="0">
+              <a:buNone/>
+            </a:pPr>
+            <a:r>
+              <a:rPr lang="en-US" sz="2400" dirty="0">
+                <a:solidFill>
+                  <a:srgbClr val="F5FFFA"/>
+                </a:solidFill>
+              </a:rPr>
+              <a:t>Um coração pra sonhar, inquieto e sempre a bater</a:t>
+            </a:r>
+            <a:endParaRPr lang="en-US" sz="2400" dirty="0"/>
+          </a:p>
+          <a:p>
+            <a:pPr algn="ctr" indent="0" marL="0">
+              <a:buNone/>
+            </a:pPr>
+            <a:r>
+              <a:rPr lang="en-US" sz="2400" dirty="0">
+                <a:solidFill>
+                  <a:srgbClr val="F5FFFA"/>
+                </a:solidFill>
+              </a:rPr>
+              <a:t>Ansioso por entender as coisas que Tu disseste</a:t>
             </a:r>
             <a:endParaRPr lang="en-US" sz="2400" dirty="0"/>
           </a:p>
